--- a/Abschlusspraesentation.pptx
+++ b/Abschlusspraesentation.pptx
@@ -8,7 +8,6 @@
     <p:sldId id="256" r:id="rId5"/>
     <p:sldId id="257" r:id="rId6"/>
     <p:sldId id="258" r:id="rId7"/>
-    <p:sldId id="259" r:id="rId8"/>
   </p:sldIdLst>
   <p:sldSz cx="12192000" cy="6858000"/>
   <p:notesSz cx="6858000" cy="9144000"/>
@@ -109,7 +108,7 @@
   </p:defaultTextStyle>
   <p:extLst>
     <p:ext uri="{EFAFB233-063F-42B5-8137-9DF3F51BA10A}">
-      <p15:sldGuideLst xmlns:p15="http://schemas.microsoft.com/office/powerpoint/2012/main"/>
+      <p15:sldGuideLst xmlns:p15="http://schemas.microsoft.com/office/powerpoint/2012/main" xmlns=""/>
     </p:ext>
   </p:extLst>
 </p:presentation>
@@ -1630,7 +1629,7 @@
       <inkml:brushProperty name="color" value="#FFFFFF"/>
     </inkml:brush>
   </inkml:definitions>
-  <inkml:trace contextRef="#ctx0" brushRef="#br0">22428 15773 16383 0 0,'14'0'0'0'0,"-14"-14"0"0"0,14 14 0 0 0,-14-14 0 0 0,14 14 0 0 0,-14-14 0 0 0,14 14 0 0 0,-14-14 0 0 0,-14 14 0 0 0,14 14 0 0 0,-14-14 0 0 0,14 14 0 0 0,-14-14 0 0 0,14 14 0 0 0,-14-14 0 0 0,14 14 0 0 0,-14-14 0 0 0,1 0 0 0 0,13 14 0 0 0,-14-14 0 0 0,14 13 0 0 0,-14-13 0 0 0,0 0 0 0 0,14 14 0 0 0,-14-14 0 0 0,14 14 0 0 0,-14-14 0 0 0,14-14 0 0 0,14 14 0 0 0,-14-14 0 0 0,14 14 0 0 0,-14-13 0 0 0,14 13 0 0 0,-14-14 0 0 0,14 14 0 0 0,-14-14 0 0 0,14 14 0 0 0,-14-14 0 0 0,13 14 0 0 0,1 0 0 0 0,-14-14 0 0 0,14 14 0 0 0,0-14 0 0 0,0 14 0 0 0,0 0 0 0 0,-14-14 0 0 0,14 14 0 0 0,0-14 0 0 0,0 14 0 0 0,0-14 0 0 0,0 14 0 0 0,0 0 0 0 0,0-14 0 0 0,0 0 0 0 0,0 0 0 0 0,0 14 0 0 0,-14-14 0 0 0,0 0 0 0 0,14 14 0 0 0,-14-14 0 0 0,0 0 0 0 0,-14 28 0 0 0,0 0 0 0 0,0 0 0 0 0,0-14 0 0 0,14 14 0 0 0,-14-14 0 0 0,14 14 0 0 0,-14-14 0 0 0,0 0 0 0 0,14 14 0 0 0,-14-14 0 0 0,0 0 0 0 0,0 14 0 0 0,0-14 0 0 0,0 0 0 0 0,14 14 0 0 0,-14-14 0 0 0,0 0 0 0 0,14 14 0 0 0,-14-14 0 0 0,0 0 0 0 0,14 14 0 0 0,-13-14 0 0 0,13 14 0 0 0,-14-14 0 0 0,14 14 0 0 0,0-28 0 0 0,14 14 0 0 0,-1 0 0 0 0,-13-14 0 0 0,14 14 0 0 0,0 0 0 0 0,-14-14 0 0 0,14 14 0 0 0,0-14 0 0 0,0 14 0 0 0,-14-14 0 0 0,14 14 0 0 0,0 0 0 0 0,-14-14 0 0 0,14 14 0 0 0,0 0 0 0 0,-14-14 0 0 0,14 14 0 0 0,-14-14 0 0 0,14 14 0 0 0,-14 14 0 0 0,0 0 0 0 0,-14-14 0 0 0,14 14 0 0 0,-14 0 0 0 0,14 0 0 0 0,-14-14 0 0 0,0 14 0 0 0,14 0 0 0 0,-14-14 0 0 0,14 14 0 0 0,-14-14 0 0 0,0 14 0 0 0,14 0 0 0 0,-14-14 0 0 0,0 14 0 0 0,14-1 0 0 0,-14-13 0 0 0,14 14 0 0 0,-14-14 0 0 0,28-14 0 0 0,0 1 0 0 0,0 13 0 0 0,-14-14 0 0 0,14 14 0 0 0,-14-14 0 0 0,14 14 0 0 0,0-14 0 0 0,0 14 0 0 0,0-14 0 0 0,0 14 0 0 0,-14-14 0 0 0,14 14 0 0 0,0-14 0 0 0,0 14 0 0 0,-14-14 0 0 0,14 14 0 0 0,-14-14 0 0 0,14 14 0 0 0,-14-14 0 0 0,14 14 0 0 0,0-14 0 0 0,-14 0 0 0 0,14 14 0 0 0,-14-14 0 0 0,0 0 0 0 0,14 14 0 0 0,-14-14 0 0 0,0 0 0 0 0,13 14 0 0 0,-13-14 0 0 0,0 0 0 0 0,14 14 0 0 0,-14-14 0 0 0,14 1 0 0 0,-14-1 0 0 0,14 14 0 0 0,-14-14 0 0 0,14 14 0 0 0,0 0 0 0 0,-14-14 0 0 0,14 14 0 0 0,-14-14 0 0 0,14 14 0 0 0,0 0 0 0 0,-14-14 0 0 0,14 14 0 0 0,-14 14 0 0 0,0 0 0 0 0,0 0 0 0 0,0 0 0 0 0,0 0 0 0 0,0-1 0 0 0,-14-13 0 0 0,14 14 0 0 0,0-28 0 0 0,14 14 0 0 0,-14-13 0 0 0,-14 13 0 0 0,14 13 0 0 0,-14-13 0 0 0,0 0 0 0 0,14 14 0 0 0,-14-14 0 0 0,14 14 0 0 0,-14-14 0 0 0,0 0 0 0 0,14 14 0 0 0,-14-14 0 0 0,14 14 0 0 0,-14-14 0 0 0,14 14 0 0 0,-14-14 0 0 0,1 14 0 0 0,-1-14 0 0 0,14 14 0 0 0,-14-14 0 0 0,14 14 0 0 0,0-28 0 0 0,14 14 0 0 0,-14-14 0 0 0,14 14 0 0 0,-1 0 0 0 0,-13-14 0 0 0,14 14 0 0 0,0 0 0 0 0,-14-14 0 0 0,14 14 0 0 0,0-14 0 0 0,0 14 0 0 0,-14-14 0 0 0,14 14 0 0 0,-14-14 0 0 0,14 14 0 0 0,0-14 0 0 0,0 1 0 0 0,-14-1 0 0 0,14 14 0 0 0,-28 0 0 0 0,14 14 0 0 0,-14-14 0 0 0,14 13 0 0 0,-14-13 0 0 0,0 0 0 0 0,14 14 0 0 0,-14-14 0 0 0,14 14 0 0 0,-14-14 0 0 0,0 0 0 0 0,14 14 0 0 0,-14-14 0 0 0,14 14 0 0 0,-14-14 0 0 0,14 14 0 0 0,-14-14 0 0 0,1 14 0 0 0,-1 0 0 0 0,0 0 0 0 0,0-14 0 0 0,14 14 0 0 0,-14-14 0 0 0,14 14 0 0 0,-14-14 0 0 0,28 0 0 0 0,-14-14 0 0 0,14 14 0 0 0,-14-14 0 0 0,14 14 0 0 0,-14-14 0 0 0,14 14 0 0 0,-14-14 0 0 0,14 14 0 0 0,-14-14 0 0 0,13 14 0 0 0,1-14 0 0 0,0 14 0 0 0,-14-14 0 0 0,14 14 0 0 0,0 0 0 0 0,-14-14 0 0 0,14 14 0 0 0,0 0 0 0 0,-14-14 0 0 0,0 28 0 0 0,0 0 0 0 0,-14-14 0 0 0,14 14 0 0 0,-14-14 0 0 0,14 14 0 0 0,-14-14 0 0 0,14 14 0 0 0,-14-14 0 0 0,0 14 0 0 0,14 0 0 0 0,-14-14 0 0 0,1 0 0 0 0,-1 14 0 0 0,14 0 0 0 0,-14-14 0 0 0,0 14 0 0 0,0-14 0 0 0,14 14 0 0 0,-14-14 0 0 0,0 14 0 0 0,0 0 0 0 0,0-14 0 0 0,14 14 0 0 0,0 0 0 0 0,-14-14 0 0 0,14 14 0 0 0,-14-14 0 0 0,14 14 0 0 0,-14-14 0 0 0,14-14 0 0 0,14 14 0 0 0,-28 0 0 0 0,14 14 0 0 0,-14-14 0 0 0,0 13 0 0 0,0 1 0 0 0,0-14 0 0 0,14 14 0 0 0,-14-14 0 0 0,0 14 0 0 0,0-14 0 0 0,14 14 0 0 0,-13-14 0 0 0,13 14 0 0 0,-14-14 0 0 0,0 0 0 0 0,14 14 0 0 0,-14-14 0 0 0,28 0 0 0 0,-14-14 0 0 0,14 14 0 0 0,0 0 0 0 0,-14-14 0 0 0,13 14 0 0 0,1-14 0 0 0,0 14 0 0 0,0 0 0 0 0,-14-14 0 0 0,14 14 0 0 0,-14-14 0 0 0,14 14 0 0 0,0 0 0 0 0,-14-14 0 0 0,14 14 0 0 0,-14-13 0 0 0,14 13 0 0 0,-14 13 0 0 0,-14-13 0 0 0,14 14 0 0 0,-14-14 0 0 0,14 14 0 0 0,-14-14 0 0 0,14 14 0 0 0,-14-14 0 0 0,14 14 0 0 0,-14-14 0 0 0,0 14 0 0 0,0-14 0 0 0,14 14 0 0 0,-14-14 0 0 0,14 14 0 0 0,-13-14 0 0 0,13 14 0 0 0,-14-14 0 0 0,14 14 0 0 0,0-28 0 0 0,14 14 0 0 0,-1 0 0 0 0,-13-14 0 0 0,14 14 0 0 0,-14 0-16383 0 0</inkml:trace>
+  <inkml:trace contextRef="#ctx0" brushRef="#br0">22427 15768 16383 0 0,'14'0'0'0'0,"-14"-14"0"0"0,14 14 0 0 0,-14-13 0 0 0,14 13 0 0 0,-14-14 0 0 0,14 14 0 0 0,-14-14 0 0 0,-14 14 0 0 0,14 14 0 0 0,-14-14 0 0 0,14 14 0 0 0,-14-14 0 0 0,14 13 0 0 0,-14-13 0 0 0,14 14 0 0 0,-14-14 0 0 0,1 0 0 0 0,13 14 0 0 0,-13-14 0 0 0,13 13 0 0 0,-14-13 0 0 0,0 0 0 0 0,14 14 0 0 0,-14-14 0 0 0,14 13 0 0 0,-14-13 0 0 0,14-13 0 0 0,14 13 0 0 0,-14-14 0 0 0,14 14 0 0 0,-14-13 0 0 0,14 13 0 0 0,-14-14 0 0 0,14 14 0 0 0,-14-14 0 0 0,13 14 0 0 0,-13-13 0 0 0,13 13 0 0 0,1 0 0 0 0,-14-14 0 0 0,14 14 0 0 0,0-14 0 0 0,0 14 0 0 0,0 0 0 0 0,-14-14 0 0 0,14 14 0 0 0,0-13 0 0 0,-1 13 0 0 0,1-14 0 0 0,0 14 0 0 0,0 0 0 0 0,0-14 0 0 0,0 0 0 0 0,0 0 0 0 0,0 14 0 0 0,-14-13 0 0 0,0-1 0 0 0,13 14 0 0 0,-13-14 0 0 0,0 0 0 0 0,-13 28 0 0 0,-1 0 0 0 0,0 0 0 0 0,0-14 0 0 0,14 13 0 0 0,-14-13 0 0 0,14 14 0 0 0,-14-14 0 0 0,0 0 0 0 0,14 14 0 0 0,-14-14 0 0 0,1 0 0 0 0,-1 14 0 0 0,0-14 0 0 0,0 0 0 0 0,14 14 0 0 0,-14-14 0 0 0,0 0 0 0 0,14 13 0 0 0,-14-13 0 0 0,0 0 0 0 0,14 14 0 0 0,-13-14 0 0 0,13 14 0 0 0,-13-14 0 0 0,13 14 0 0 0,0-28 0 0 0,13 14 0 0 0,0 0 0 0 0,-13-14 0 0 0,14 14 0 0 0,0 0 0 0 0,-14-14 0 0 0,14 14 0 0 0,0-13 0 0 0,0 13 0 0 0,-14-14 0 0 0,14 14 0 0 0,0 0 0 0 0,-14-14 0 0 0,13 14 0 0 0,1 0 0 0 0,-14-14 0 0 0,14 14 0 0 0,-14-14 0 0 0,14 14 0 0 0,-14 14 0 0 0,0 0 0 0 0,-14-14 0 0 0,14 14 0 0 0,-14 0 0 0 0,14-1 0 0 0,-14-13 0 0 0,1 14 0 0 0,13 0 0 0 0,-14-14 0 0 0,14 14 0 0 0,-14-14 0 0 0,0 13 0 0 0,14 1 0 0 0,-14-14 0 0 0,0 14 0 0 0,14-1 0 0 0,-14-13 0 0 0,14 14 0 0 0,-14-14 0 0 0,28-14 0 0 0,0 1 0 0 0,0 13 0 0 0,-14-14 0 0 0,14 14 0 0 0,-14-14 0 0 0,14 14 0 0 0,0-13 0 0 0,0 13 0 0 0,-1-14 0 0 0,1 14 0 0 0,-14-14 0 0 0,14 14 0 0 0,0-14 0 0 0,0 14 0 0 0,-14-13 0 0 0,14 13 0 0 0,-14-14 0 0 0,14 14 0 0 0,-14-14 0 0 0,14 14 0 0 0,-1-14 0 0 0,-13 0 0 0 0,14 14 0 0 0,-14-13 0 0 0,0-1 0 0 0,14 14 0 0 0,-14-14 0 0 0,0 0 0 0 0,13 14 0 0 0,-13-14 0 0 0,0 1 0 0 0,14 13 0 0 0,-14-14 0 0 0,14 1 0 0 0,-14-1 0 0 0,14 14 0 0 0,-14-14 0 0 0,14 14 0 0 0,0 0 0 0 0,-14-13 0 0 0,13 13 0 0 0,-13-14 0 0 0,14 14 0 0 0,0 0 0 0 0,-14-14 0 0 0,14 14 0 0 0,-14 14 0 0 0,0 0 0 0 0,0-1 0 0 0,0 1 0 0 0,0 0 0 0 0,0-1 0 0 0,-14-13 0 0 0,14 14 0 0 0,0-28 0 0 0,14 14 0 0 0,-14-13 0 0 0,-14 13 0 0 0,14 13 0 0 0,-14-13 0 0 0,0 0 0 0 0,14 14 0 0 0,-13-14 0 0 0,13 13 0 0 0,-14-13 0 0 0,0 0 0 0 0,14 14 0 0 0,-14-14 0 0 0,14 14 0 0 0,-14-14 0 0 0,14 14 0 0 0,-14-14 0 0 0,1 14 0 0 0,-1-14 0 0 0,14 13 0 0 0,-14-13 0 0 0,14 14 0 0 0,0-28 0 0 0,14 14 0 0 0,-14-13 0 0 0,14 13 0 0 0,-1 0 0 0 0,-13-14 0 0 0,14 14 0 0 0,0 0 0 0 0,-14-14 0 0 0,14 14 0 0 0,0-14 0 0 0,0 14 0 0 0,-14-14 0 0 0,13 14 0 0 0,-13-13 0 0 0,14 13 0 0 0,0-14 0 0 0,0 1 0 0 0,-14-1 0 0 0,14 14 0 0 0,-28 0 0 0 0,14 14 0 0 0,-14-14 0 0 0,14 13 0 0 0,-14-13 0 0 0,0 0 0 0 0,14 14 0 0 0,-13-14 0 0 0,13 13 0 0 0,-14-13 0 0 0,0 0 0 0 0,14 14 0 0 0,-14-14 0 0 0,14 14 0 0 0,-14-14 0 0 0,14 14 0 0 0,-14-14 0 0 0,1 14 0 0 0,-1-1 0 0 0,0 1 0 0 0,1-14 0 0 0,13 14 0 0 0,-14-14 0 0 0,14 14 0 0 0,-14-14 0 0 0,28 0 0 0 0,-14-14 0 0 0,14 14 0 0 0,-14-14 0 0 0,13 14 0 0 0,-13-14 0 0 0,14 14 0 0 0,-14-13 0 0 0,14 13 0 0 0,-14-14 0 0 0,13 14 0 0 0,1-14 0 0 0,0 14 0 0 0,-14-14 0 0 0,14 14 0 0 0,0 0 0 0 0,-14-14 0 0 0,14 14 0 0 0,-1 0 0 0 0,-13-13 0 0 0,0 26 0 0 0,0 1 0 0 0,-13-14 0 0 0,13 14 0 0 0,-14-14 0 0 0,14 14 0 0 0,-14-14 0 0 0,14 14 0 0 0,-14-14 0 0 0,0 13 0 0 0,14 1 0 0 0,-14-14 0 0 0,1 0 0 0 0,-1 14 0 0 0,14 0 0 0 0,-14-14 0 0 0,1 14 0 0 0,-1-14 0 0 0,14 13 0 0 0,-14-13 0 0 0,0 14 0 0 0,0 0 0 0 0,0-14 0 0 0,14 14 0 0 0,0-1 0 0 0,-14-13 0 0 0,14 14 0 0 0,-14-14 0 0 0,14 14 0 0 0,-13-14 0 0 0,13-14 0 0 0,13 14 0 0 0,-26 0 0 0 0,13 14 0 0 0,-14-14 0 0 0,0 13 0 0 0,0 1 0 0 0,0-14 0 0 0,14 13 0 0 0,-14-13 0 0 0,0 14 0 0 0,0-14 0 0 0,14 14 0 0 0,-13-14 0 0 0,13 14 0 0 0,-13-14 0 0 0,-1 0 0 0 0,14 14 0 0 0,-14-14 0 0 0,28 0 0 0 0,-14-14 0 0 0,14 14 0 0 0,-1 0 0 0 0,-13-14 0 0 0,13 14 0 0 0,1-14 0 0 0,0 14 0 0 0,0 0 0 0 0,-14-14 0 0 0,14 14 0 0 0,-14-13 0 0 0,14 13 0 0 0,0 0 0 0 0,-14-14 0 0 0,14 14 0 0 0,-14-13 0 0 0,13 13 0 0 0,-13 13 0 0 0,-13-13 0 0 0,13 14 0 0 0,-14-14 0 0 0,14 13 0 0 0,-14-13 0 0 0,14 14 0 0 0,-14-14 0 0 0,14 14 0 0 0,-14-14 0 0 0,0 14 0 0 0,0-14 0 0 0,14 14 0 0 0,-14-14 0 0 0,14 13 0 0 0,-13-13 0 0 0,13 14 0 0 0,-13-14 0 0 0,13 14 0 0 0,0-28 0 0 0,13 14 0 0 0,0 0 0 0 0,-13-14 0 0 0,14 14 0 0 0,-14 0-16383 0 0</inkml:trace>
 </inkml:ink>
 </file>
 
@@ -1662,7 +1661,7 @@
       <inkml:brushProperty name="color" value="#FFFFFF"/>
     </inkml:brush>
   </inkml:definitions>
-  <inkml:trace contextRef="#ctx0" brushRef="#br0">18706 12383 16383 0 0,'0'0'-16383'0'0</inkml:trace>
+  <inkml:trace contextRef="#ctx0" brushRef="#br0">19122 11279 16383 0 0,'0'0'-16383'0'0</inkml:trace>
 </inkml:ink>
 </file>
 
@@ -1694,7 +1693,7 @@
       <inkml:brushProperty name="color" value="#FFFFFF"/>
     </inkml:brush>
   </inkml:definitions>
-  <inkml:trace contextRef="#ctx0" brushRef="#br0">18706 12435 16383 0 0,'0'0'-16383'0'0</inkml:trace>
+  <inkml:trace contextRef="#ctx0" brushRef="#br0">19122 13443 16383 0 0,'0'0'-16383'0'0</inkml:trace>
 </inkml:ink>
 </file>
 
@@ -1726,7 +1725,7 @@
       <inkml:brushProperty name="color" value="#FFFFFF"/>
     </inkml:brush>
   </inkml:definitions>
-  <inkml:trace contextRef="#ctx0" brushRef="#br0">18785 12356 16383 0 0,'0'0'-16383'0'0</inkml:trace>
+  <inkml:trace contextRef="#ctx0" brushRef="#br0">18865 11652 16383 0 0,'0'0'-16383'0'0</inkml:trace>
 </inkml:ink>
 </file>
 
@@ -1758,7 +1757,7 @@
       <inkml:brushProperty name="color" value="#FFFFFF"/>
     </inkml:brush>
   </inkml:definitions>
-  <inkml:trace contextRef="#ctx0" brushRef="#br0">18706 12409 16383 0 0,'0'0'-16383'0'0</inkml:trace>
+  <inkml:trace contextRef="#ctx0" brushRef="#br0">19122 12361 16383 0 0,'0'0'-16383'0'0</inkml:trace>
 </inkml:ink>
 </file>
 
@@ -1790,7 +1789,7 @@
       <inkml:brushProperty name="color" value="#FFFFFF"/>
     </inkml:brush>
   </inkml:definitions>
-  <inkml:trace contextRef="#ctx0" brushRef="#br0">18768 12277 16383 0 0,'17'0'0'0'0,"-17"17"0"0"0,0 0 0 0 0,-17 0 0 0 0,17 1 0 0 0,-35 0 0 0 0,35-1 0 0 0,0-17-16383 0 0</inkml:trace>
+  <inkml:trace contextRef="#ctx0" brushRef="#br0">18766 12277 16383 0 0,'16'0'0'0'0,"-16"16"0"0"0,0 0 0 0 0,-16 1 0 0 0,16 0 0 0 0,-33 0 0 0 0,33-1 0 0 0,0-16-16383 0 0</inkml:trace>
 </inkml:ink>
 </file>
 
@@ -1822,7 +1821,7 @@
       <inkml:brushProperty name="color" value="#FFFFFF"/>
     </inkml:brush>
   </inkml:definitions>
-  <inkml:trace contextRef="#ctx0" brushRef="#br0">18089 13070 16383 0 0,'-18'0'0'0'0,"18"18"0"0"0,0-1 0 0 0,0-17-16383 0 0</inkml:trace>
+  <inkml:trace contextRef="#ctx0" brushRef="#br0">18087 13070 16383 0 0,'-16'0'0'0'0,"16"16"0"0"0,0 0 0 0 0,0-16-16383 0 0</inkml:trace>
 </inkml:ink>
 </file>
 
@@ -1854,7 +1853,7 @@
       <inkml:brushProperty name="color" value="#FFFFFF"/>
     </inkml:brush>
   </inkml:definitions>
-  <inkml:trace contextRef="#ctx0" brushRef="#br0">18071 13150 16383 0 0,'0'0'-16383'0'0</inkml:trace>
+  <inkml:trace contextRef="#ctx0" brushRef="#br0">17351 13502 16383 0 0,'0'0'-16383'0'0</inkml:trace>
 </inkml:ink>
 </file>
 
@@ -1886,7 +1885,7 @@
       <inkml:brushProperty name="color" value="#FFFFFF"/>
     </inkml:brush>
   </inkml:definitions>
-  <inkml:trace contextRef="#ctx0" brushRef="#br0">17875 12991 16383 0 0,'0'18'0'0'0,"0"-1"0"0"0,-52 35 0 0 0,34 1 0 0 0,1-36 0 0 0,17 1 0 0 0,-18-18 0 0 0,0 0 0 0 0,18 17 0 0 0,-52 0 0 0 0,52 1 0 0 0,-17-18 0 0 0,17 18 0 0 0,-18-18 0 0 0,1 0 0 0 0,17 17 0 0 0,0-17-16383 0 0</inkml:trace>
+  <inkml:trace contextRef="#ctx0" brushRef="#br0">17881 12991 16383 0 0,'0'18'0'0'0,"0"0"0"0"0,-53 35 0 0 0,34 1 0 0 0,2-37 0 0 0,17 1 0 0 0,-19-18 0 0 0,1 0 0 0 0,18 18 0 0 0,-54-1 0 0 0,54 1 0 0 0,-17-18 0 0 0,17 19 0 0 0,-19-19 0 0 0,2 0 0 0 0,17 17 0 0 0,0-17-16383 0 0</inkml:trace>
 </inkml:ink>
 </file>
 
@@ -1918,7 +1917,7 @@
       <inkml:brushProperty name="color" value="#FFFFFF"/>
     </inkml:brush>
   </inkml:definitions>
-  <inkml:trace contextRef="#ctx0" brushRef="#br0">18043 12938 16383 0 0,'0'17'0'0'0,"-17"-17"0"0"0,17 17 0 0 0,-18-17 0 0 0,0 0 0 0 0,18 18 0 0 0,-17-18 0 0 0,0 0 0 0 0,17 18 0 0 0,-18-18 0 0 0,18 17 0 0 0,-17-17 0 0 0,-1 0 0 0 0,18 18 0 0 0,-17-18 0 0 0,17 0-16383 0 0</inkml:trace>
+  <inkml:trace contextRef="#ctx0" brushRef="#br0">18036 12938 16383 0 0,'0'16'0'0'0,"-16"-16"0"0"0,16 16 0 0 0,-17-16 0 0 0,-1 0 0 0 0,18 17 0 0 0,-16-17 0 0 0,0 0 0 0 0,16 17 0 0 0,-17-17 0 0 0,17 16 0 0 0,-17-16 0 0 0,0 0 0 0 0,17 17 0 0 0,-16-17 0 0 0,16 0-16383 0 0</inkml:trace>
 </inkml:ink>
 </file>
 
@@ -1950,7 +1949,7 @@
       <inkml:brushProperty name="color" value="#FFFFFF"/>
     </inkml:brush>
   </inkml:definitions>
-  <inkml:trace contextRef="#ctx0" brushRef="#br0">18087 12912 16383 0 0,'-17'0'0'0'0,"17"17"0"0"0,-18-17 0 0 0,18 18 0 0 0,-17-18 0 0 0,17 17 0 0 0,-18-17 0 0 0,18 18 0 0 0,0-1 0 0 0,-17-17 0 0 0,17 17 0 0 0,-17-17 0 0 0,17 18 0 0 0,0 0 0 0 0,-18-18 0 0 0,18 0-16383 0 0</inkml:trace>
+  <inkml:trace contextRef="#ctx0" brushRef="#br0">18081 12912 16383 0 0,'-16'0'0'0'0,"16"16"0"0"0,-17-16 0 0 0,17 17 0 0 0,-16-17 0 0 0,16 16 0 0 0,-18-16 0 0 0,18 18 0 0 0,0-2 0 0 0,-16-16 0 0 0,16 16 0 0 0,-16-16 0 0 0,16 17 0 0 0,0 0 0 0 0,-17-17 0 0 0,17 0-16383 0 0</inkml:trace>
 </inkml:ink>
 </file>
 
@@ -1982,7 +1981,7 @@
       <inkml:brushProperty name="color" value="#FFFFFF"/>
     </inkml:brush>
   </inkml:definitions>
-  <inkml:trace contextRef="#ctx0" brushRef="#br0">18122 12912 16383 0 0,'-17'0'0'0'0,"17"17"0"0"0,0 1 0 0 0,-18-18 0 0 0,-17 35 0 0 0,18-35 0 0 0,17 17 0 0 0,0 0 0 0 0,-18-17 0 0 0,18 18 0 0 0,0 0 0 0 0,-17-18 0 0 0,0 17 0 0 0,17 1 0 0 0,-18-18 0 0 0,18 0-16383 0 0</inkml:trace>
+  <inkml:trace contextRef="#ctx0" brushRef="#br0">18115 12912 16383 0 0,'-16'0'0'0'0,"16"16"0"0"0,0 1 0 0 0,-17-17 0 0 0,-17 33 0 0 0,18-33 0 0 0,16 17 0 0 0,0-1 0 0 0,-17-16 0 0 0,17 17 0 0 0,0 0 0 0 0,-17-17 0 0 0,1 16 0 0 0,16 1 0 0 0,-17-17 0 0 0,17 0-16383 0 0</inkml:trace>
 </inkml:ink>
 </file>
 
@@ -2014,7 +2013,7 @@
       <inkml:brushProperty name="color" value="#FFFFFF"/>
     </inkml:brush>
   </inkml:definitions>
-  <inkml:trace contextRef="#ctx0" brushRef="#br0">18600 12382 16383 0 0,'18'0'0'0'0,"-18"-17"0"0"0,17 17 0 0 0,-17-18 0 0 0,0 1 0 0 0,17 17 0 0 0,-17 17 0 0 0,0 1 0 0 0,-17-18 0 0 0,17 17 0 0 0,0 1 0 0 0,0-1 0 0 0,-17-17 0 0 0,17 0-16383 0 0</inkml:trace>
+  <inkml:trace contextRef="#ctx0" brushRef="#br0">18600 12380 16383 0 0,'17'0'0'0'0,"-17"-17"0"0"0,16 17 0 0 0,-16-17 0 0 0,0 1 0 0 0,16 16 0 0 0,-16 16 0 0 0,0 1 0 0 0,-16-17 0 0 0,16 17 0 0 0,0 0 0 0 0,0-1 0 0 0,-16-16 0 0 0,16 0-16383 0 0</inkml:trace>
 </inkml:ink>
 </file>
 
@@ -2046,7 +2045,7 @@
       <inkml:brushProperty name="color" value="#FFFFFF"/>
     </inkml:brush>
   </inkml:definitions>
-  <inkml:trace contextRef="#ctx0" brushRef="#br0">18670 12356 16383 0 0,'0'17'0'0'0,"0"0"0"0"0,-18-17 0 0 0,18 18 0 0 0,-17-18 0 0 0,17 17 0 0 0,-17 1 0 0 0,-1-18 0 0 0,18 18 0 0 0,0-18-16383 0 0</inkml:trace>
+  <inkml:trace contextRef="#ctx0" brushRef="#br0">18666 12356 16383 0 0,'0'16'0'0'0,"0"0"0"0"0,-17-16 0 0 0,17 17 0 0 0,-16-17 0 0 0,16 16 0 0 0,-16 1 0 0 0,-1-17 0 0 0,17 17 0 0 0,0-17-16383 0 0</inkml:trace>
 </inkml:ink>
 </file>
 
@@ -2078,7 +2077,7 @@
       <inkml:brushProperty name="color" value="#FFFFFF"/>
     </inkml:brush>
   </inkml:definitions>
-  <inkml:trace contextRef="#ctx0" brushRef="#br0">18697 12303 16383 0 0,'0'18'0'0'0,"-18"-18"0"0"0,18 17 0 0 0,0 0 0 0 0,0 1 0 0 0,-17-18 0 0 0,17 17 0 0 0,0 1 0 0 0,-18-18 0 0 0,1 0 0 0 0,17 17 0 0 0,0-17-16383 0 0</inkml:trace>
+  <inkml:trace contextRef="#ctx0" brushRef="#br0">18693 12303 16383 0 0,'0'17'0'0'0,"-17"-17"0"0"0,17 16 0 0 0,0 0 0 0 0,0 2 0 0 0,-16-18 0 0 0,16 16 0 0 0,0 1 0 0 0,-17-17 0 0 0,1 0 0 0 0,16 16 0 0 0,0-16-16383 0 0</inkml:trace>
 </inkml:ink>
 </file>
 
@@ -2110,7 +2109,7 @@
       <inkml:brushProperty name="color" value="#FFFFFF"/>
     </inkml:brush>
   </inkml:definitions>
-  <inkml:trace contextRef="#ctx0" brushRef="#br0">18777 12356 16383 0 0,'0'18'0'0'0,"-18"-18"0"0"0,18 0-16383 0 0</inkml:trace>
+  <inkml:trace contextRef="#ctx0" brushRef="#br0">18775 12356 16383 0 0,'0'16'0'0'0,"-16"-16"0"0"0,16 0-16383 0 0</inkml:trace>
 </inkml:ink>
 </file>
 
@@ -3325,7 +3324,7 @@
           <a:p>
             <a:fld id="{D3EB3054-B75A-4BD7-8B3E-8DC0F614FAF3}" type="datetimeFigureOut">
               <a:rPr lang="de-DE" smtClean="0"/>
-              <a:t>30.06.2020</a:t>
+              <a:t>13.07.2020</a:t>
             </a:fld>
             <a:endParaRPr lang="de-DE"/>
           </a:p>
@@ -3397,7 +3396,7 @@
           <a:p>
             <a:fld id="{802006FE-6571-4354-8775-F8708372C227}" type="slidenum">
               <a:rPr lang="de-DE" smtClean="0"/>
-              <a:t>‹#›</a:t>
+              <a:t>‹Nr.›</a:t>
             </a:fld>
             <a:endParaRPr lang="de-DE"/>
           </a:p>
@@ -3563,7 +3562,7 @@
           <a:p>
             <a:fld id="{D3EB3054-B75A-4BD7-8B3E-8DC0F614FAF3}" type="datetimeFigureOut">
               <a:rPr lang="de-DE" smtClean="0"/>
-              <a:t>30.06.2020</a:t>
+              <a:t>13.07.2020</a:t>
             </a:fld>
             <a:endParaRPr lang="de-DE"/>
           </a:p>
@@ -3605,7 +3604,7 @@
           <a:p>
             <a:fld id="{802006FE-6571-4354-8775-F8708372C227}" type="slidenum">
               <a:rPr lang="de-DE" smtClean="0"/>
-              <a:t>‹#›</a:t>
+              <a:t>‹Nr.›</a:t>
             </a:fld>
             <a:endParaRPr lang="de-DE"/>
           </a:p>
@@ -3743,7 +3742,7 @@
           <a:p>
             <a:fld id="{D3EB3054-B75A-4BD7-8B3E-8DC0F614FAF3}" type="datetimeFigureOut">
               <a:rPr lang="de-DE" smtClean="0"/>
-              <a:t>30.06.2020</a:t>
+              <a:t>13.07.2020</a:t>
             </a:fld>
             <a:endParaRPr lang="de-DE"/>
           </a:p>
@@ -3785,7 +3784,7 @@
           <a:p>
             <a:fld id="{802006FE-6571-4354-8775-F8708372C227}" type="slidenum">
               <a:rPr lang="de-DE" smtClean="0"/>
-              <a:t>‹#›</a:t>
+              <a:t>‹Nr.›</a:t>
             </a:fld>
             <a:endParaRPr lang="de-DE"/>
           </a:p>
@@ -3913,7 +3912,7 @@
           <a:p>
             <a:fld id="{D3EB3054-B75A-4BD7-8B3E-8DC0F614FAF3}" type="datetimeFigureOut">
               <a:rPr lang="de-DE" smtClean="0"/>
-              <a:t>30.06.2020</a:t>
+              <a:t>13.07.2020</a:t>
             </a:fld>
             <a:endParaRPr lang="de-DE"/>
           </a:p>
@@ -3955,7 +3954,7 @@
           <a:p>
             <a:fld id="{802006FE-6571-4354-8775-F8708372C227}" type="slidenum">
               <a:rPr lang="de-DE" smtClean="0"/>
-              <a:t>‹#›</a:t>
+              <a:t>‹Nr.›</a:t>
             </a:fld>
             <a:endParaRPr lang="de-DE"/>
           </a:p>
@@ -4189,7 +4188,7 @@
           <a:p>
             <a:fld id="{D3EB3054-B75A-4BD7-8B3E-8DC0F614FAF3}" type="datetimeFigureOut">
               <a:rPr lang="de-DE" smtClean="0"/>
-              <a:t>30.06.2020</a:t>
+              <a:t>13.07.2020</a:t>
             </a:fld>
             <a:endParaRPr lang="de-DE"/>
           </a:p>
@@ -4257,7 +4256,7 @@
           <a:p>
             <a:fld id="{802006FE-6571-4354-8775-F8708372C227}" type="slidenum">
               <a:rPr lang="de-DE" smtClean="0"/>
-              <a:t>‹#›</a:t>
+              <a:t>‹Nr.›</a:t>
             </a:fld>
             <a:endParaRPr lang="de-DE"/>
           </a:p>
@@ -5390,7 +5389,7 @@
           <a:p>
             <a:fld id="{D3EB3054-B75A-4BD7-8B3E-8DC0F614FAF3}" type="datetimeFigureOut">
               <a:rPr lang="de-DE" smtClean="0"/>
-              <a:t>30.06.2020</a:t>
+              <a:t>13.07.2020</a:t>
             </a:fld>
             <a:endParaRPr lang="de-DE"/>
           </a:p>
@@ -5432,7 +5431,7 @@
           <a:p>
             <a:fld id="{802006FE-6571-4354-8775-F8708372C227}" type="slidenum">
               <a:rPr lang="de-DE" smtClean="0"/>
-              <a:t>‹#›</a:t>
+              <a:t>‹Nr.›</a:t>
             </a:fld>
             <a:endParaRPr lang="de-DE"/>
           </a:p>
@@ -5450,7 +5449,7 @@
   </p:clrMapOvr>
   <p:extLst>
     <p:ext uri="{DCECCB84-F9BA-43D5-87BE-67443E8EF086}">
-      <p15:sldGuideLst xmlns:p15="http://schemas.microsoft.com/office/powerpoint/2012/main"/>
+      <p15:sldGuideLst xmlns:p15="http://schemas.microsoft.com/office/powerpoint/2012/main" xmlns=""/>
     </p:ext>
   </p:extLst>
 </p:sldLayout>
@@ -5780,7 +5779,7 @@
           <a:p>
             <a:fld id="{D3EB3054-B75A-4BD7-8B3E-8DC0F614FAF3}" type="datetimeFigureOut">
               <a:rPr lang="de-DE" smtClean="0"/>
-              <a:t>30.06.2020</a:t>
+              <a:t>13.07.2020</a:t>
             </a:fld>
             <a:endParaRPr lang="de-DE"/>
           </a:p>
@@ -5822,7 +5821,7 @@
           <a:p>
             <a:fld id="{802006FE-6571-4354-8775-F8708372C227}" type="slidenum">
               <a:rPr lang="de-DE" smtClean="0"/>
-              <a:t>‹#›</a:t>
+              <a:t>‹Nr.›</a:t>
             </a:fld>
             <a:endParaRPr lang="de-DE"/>
           </a:p>
@@ -5840,7 +5839,7 @@
   </p:clrMapOvr>
   <p:extLst>
     <p:ext uri="{DCECCB84-F9BA-43D5-87BE-67443E8EF086}">
-      <p15:sldGuideLst xmlns:p15="http://schemas.microsoft.com/office/powerpoint/2012/main"/>
+      <p15:sldGuideLst xmlns:p15="http://schemas.microsoft.com/office/powerpoint/2012/main" xmlns=""/>
     </p:ext>
   </p:extLst>
 </p:sldLayout>
@@ -5903,7 +5902,7 @@
           <a:p>
             <a:fld id="{D3EB3054-B75A-4BD7-8B3E-8DC0F614FAF3}" type="datetimeFigureOut">
               <a:rPr lang="de-DE" smtClean="0"/>
-              <a:t>30.06.2020</a:t>
+              <a:t>13.07.2020</a:t>
             </a:fld>
             <a:endParaRPr lang="de-DE"/>
           </a:p>
@@ -5945,7 +5944,7 @@
           <a:p>
             <a:fld id="{802006FE-6571-4354-8775-F8708372C227}" type="slidenum">
               <a:rPr lang="de-DE" smtClean="0"/>
-              <a:t>‹#›</a:t>
+              <a:t>‹Nr.›</a:t>
             </a:fld>
             <a:endParaRPr lang="de-DE"/>
           </a:p>
@@ -5998,7 +5997,7 @@
           <a:p>
             <a:fld id="{D3EB3054-B75A-4BD7-8B3E-8DC0F614FAF3}" type="datetimeFigureOut">
               <a:rPr lang="de-DE" smtClean="0"/>
-              <a:t>30.06.2020</a:t>
+              <a:t>13.07.2020</a:t>
             </a:fld>
             <a:endParaRPr lang="de-DE"/>
           </a:p>
@@ -6040,7 +6039,7 @@
           <a:p>
             <a:fld id="{802006FE-6571-4354-8775-F8708372C227}" type="slidenum">
               <a:rPr lang="de-DE" smtClean="0"/>
-              <a:t>‹#›</a:t>
+              <a:t>‹Nr.›</a:t>
             </a:fld>
             <a:endParaRPr lang="de-DE"/>
           </a:p>
@@ -6761,7 +6760,7 @@
           <a:p>
             <a:fld id="{D3EB3054-B75A-4BD7-8B3E-8DC0F614FAF3}" type="datetimeFigureOut">
               <a:rPr lang="de-DE" smtClean="0"/>
-              <a:t>30.06.2020</a:t>
+              <a:t>13.07.2020</a:t>
             </a:fld>
             <a:endParaRPr lang="de-DE"/>
           </a:p>
@@ -6813,7 +6812,7 @@
           <a:p>
             <a:fld id="{802006FE-6571-4354-8775-F8708372C227}" type="slidenum">
               <a:rPr lang="de-DE" smtClean="0"/>
-              <a:t>‹#›</a:t>
+              <a:t>‹Nr.›</a:t>
             </a:fld>
             <a:endParaRPr lang="de-DE"/>
           </a:p>
@@ -6869,7 +6868,7 @@
   </p:clrMapOvr>
   <p:extLst>
     <p:ext uri="{DCECCB84-F9BA-43D5-87BE-67443E8EF086}">
-      <p15:sldGuideLst xmlns:p15="http://schemas.microsoft.com/office/powerpoint/2012/main">
+      <p15:sldGuideLst xmlns:p15="http://schemas.microsoft.com/office/powerpoint/2012/main" xmlns="">
         <p15:guide id="1" orient="horz" pos="696">
           <p15:clr>
             <a:srgbClr val="FBAE40"/>
@@ -7601,7 +7600,7 @@
           <a:p>
             <a:fld id="{D3EB3054-B75A-4BD7-8B3E-8DC0F614FAF3}" type="datetimeFigureOut">
               <a:rPr lang="de-DE" smtClean="0"/>
-              <a:t>30.06.2020</a:t>
+              <a:t>13.07.2020</a:t>
             </a:fld>
             <a:endParaRPr lang="de-DE"/>
           </a:p>
@@ -7653,7 +7652,7 @@
           <a:p>
             <a:fld id="{802006FE-6571-4354-8775-F8708372C227}" type="slidenum">
               <a:rPr lang="de-DE" smtClean="0"/>
-              <a:t>‹#›</a:t>
+              <a:t>‹Nr.›</a:t>
             </a:fld>
             <a:endParaRPr lang="de-DE"/>
           </a:p>
@@ -7828,7 +7827,7 @@
           <a:p>
             <a:fld id="{D3EB3054-B75A-4BD7-8B3E-8DC0F614FAF3}" type="datetimeFigureOut">
               <a:rPr lang="de-DE" smtClean="0"/>
-              <a:t>30.06.2020</a:t>
+              <a:t>13.07.2020</a:t>
             </a:fld>
             <a:endParaRPr lang="de-DE"/>
           </a:p>
@@ -7908,7 +7907,7 @@
           <a:p>
             <a:fld id="{802006FE-6571-4354-8775-F8708372C227}" type="slidenum">
               <a:rPr lang="de-DE" smtClean="0"/>
-              <a:t>‹#›</a:t>
+              <a:t>‹Nr.›</a:t>
             </a:fld>
             <a:endParaRPr lang="de-DE"/>
           </a:p>
@@ -8773,7 +8772,7 @@
   </p:txStyles>
   <p:extLst>
     <p:ext uri="{27BBF7A9-308A-43DC-89C8-2F10F3537804}">
-      <p15:sldGuideLst xmlns:p15="http://schemas.microsoft.com/office/powerpoint/2012/main">
+      <p15:sldGuideLst xmlns:p15="http://schemas.microsoft.com/office/powerpoint/2012/main" xmlns="">
         <p15:guide id="1" pos="792">
           <p15:clr>
             <a:srgbClr val="F26B43"/>
@@ -8893,7 +8892,7 @@
           <p:cNvPr id="5" name="Textfeld 4">
             <a:extLst>
               <a:ext uri="{FF2B5EF4-FFF2-40B4-BE49-F238E27FC236}">
-                <a16:creationId xmlns:a16="http://schemas.microsoft.com/office/drawing/2014/main" id="{58613DBA-4BA3-465E-863B-CEC8C504AABC}"/>
+                <a16:creationId xmlns:a16="http://schemas.microsoft.com/office/drawing/2014/main" xmlns="" id="{58613DBA-4BA3-465E-863B-CEC8C504AABC}"/>
               </a:ext>
             </a:extLst>
           </p:cNvPr>
@@ -9001,7 +9000,7 @@
           <p:cNvPr id="53" name="Picture 1">
             <a:extLst>
               <a:ext uri="{FF2B5EF4-FFF2-40B4-BE49-F238E27FC236}">
-                <a16:creationId xmlns:a16="http://schemas.microsoft.com/office/drawing/2014/main" id="{03576166-374D-4D2B-9A60-FA3DF07C8158}"/>
+                <a16:creationId xmlns:a16="http://schemas.microsoft.com/office/drawing/2014/main" xmlns="" id="{03576166-374D-4D2B-9A60-FA3DF07C8158}"/>
               </a:ext>
             </a:extLst>
           </p:cNvPr>
@@ -9037,7 +9036,7 @@
           <p:cNvPr id="2" name="Titel 1">
             <a:extLst>
               <a:ext uri="{FF2B5EF4-FFF2-40B4-BE49-F238E27FC236}">
-                <a16:creationId xmlns:a16="http://schemas.microsoft.com/office/drawing/2014/main" id="{0358F702-252A-4698-9F4A-3A2A77746174}"/>
+                <a16:creationId xmlns:a16="http://schemas.microsoft.com/office/drawing/2014/main" xmlns="" id="{0358F702-252A-4698-9F4A-3A2A77746174}"/>
               </a:ext>
             </a:extLst>
           </p:cNvPr>
@@ -9065,7 +9064,7 @@
           <p:cNvPr id="25" name="Gruppieren 24">
             <a:extLst>
               <a:ext uri="{FF2B5EF4-FFF2-40B4-BE49-F238E27FC236}">
-                <a16:creationId xmlns:a16="http://schemas.microsoft.com/office/drawing/2014/main" id="{13DCF867-DCFB-4745-8D9E-C1D8C8D20A31}"/>
+                <a16:creationId xmlns:a16="http://schemas.microsoft.com/office/drawing/2014/main" xmlns="" id="{13DCF867-DCFB-4745-8D9E-C1D8C8D20A31}"/>
               </a:ext>
             </a:extLst>
           </p:cNvPr>
@@ -9087,7 +9086,7 @@
             <p:cNvPr id="6" name="Gruppieren 5">
               <a:extLst>
                 <a:ext uri="{FF2B5EF4-FFF2-40B4-BE49-F238E27FC236}">
-                  <a16:creationId xmlns:a16="http://schemas.microsoft.com/office/drawing/2014/main" id="{7775EC68-DE35-4521-926F-7BEEB7EEC1A8}"/>
+                  <a16:creationId xmlns:a16="http://schemas.microsoft.com/office/drawing/2014/main" xmlns="" id="{7775EC68-DE35-4521-926F-7BEEB7EEC1A8}"/>
                 </a:ext>
               </a:extLst>
             </p:cNvPr>
@@ -9109,7 +9108,7 @@
               <p:cNvPr id="7" name="Graphic 4">
                 <a:extLst>
                   <a:ext uri="{FF2B5EF4-FFF2-40B4-BE49-F238E27FC236}">
-                    <a16:creationId xmlns:a16="http://schemas.microsoft.com/office/drawing/2014/main" id="{A00AA31A-9217-4B3B-B545-F81630252265}"/>
+                    <a16:creationId xmlns:a16="http://schemas.microsoft.com/office/drawing/2014/main" xmlns="" id="{A00AA31A-9217-4B3B-B545-F81630252265}"/>
                   </a:ext>
                 </a:extLst>
               </p:cNvPr>
@@ -9122,7 +9121,7 @@
               <a:blip r:embed="rId3">
                 <a:extLst>
                   <a:ext uri="{96DAC541-7B7A-43D3-8B79-37D633B846F1}">
-                    <asvg:svgBlip xmlns:asvg="http://schemas.microsoft.com/office/drawing/2016/SVG/main" r:embed="rId4"/>
+                    <asvg:svgBlip xmlns:asvg="http://schemas.microsoft.com/office/drawing/2016/SVG/main" xmlns="" r:embed="rId4"/>
                   </a:ext>
                 </a:extLst>
               </a:blip>
@@ -9145,7 +9144,7 @@
               <p:cNvPr id="8" name="Graphic 13">
                 <a:extLst>
                   <a:ext uri="{FF2B5EF4-FFF2-40B4-BE49-F238E27FC236}">
-                    <a16:creationId xmlns:a16="http://schemas.microsoft.com/office/drawing/2014/main" id="{FD445900-2225-4A12-8BD6-B31792DF5106}"/>
+                    <a16:creationId xmlns:a16="http://schemas.microsoft.com/office/drawing/2014/main" xmlns="" id="{FD445900-2225-4A12-8BD6-B31792DF5106}"/>
                   </a:ext>
                 </a:extLst>
               </p:cNvPr>
@@ -9158,7 +9157,7 @@
               <a:blip r:embed="rId5">
                 <a:extLst>
                   <a:ext uri="{96DAC541-7B7A-43D3-8B79-37D633B846F1}">
-                    <asvg:svgBlip xmlns:asvg="http://schemas.microsoft.com/office/drawing/2016/SVG/main" r:embed="rId6"/>
+                    <asvg:svgBlip xmlns:asvg="http://schemas.microsoft.com/office/drawing/2016/SVG/main" xmlns="" r:embed="rId6"/>
                   </a:ext>
                 </a:extLst>
               </a:blip>
@@ -9180,7 +9179,7 @@
               <p:cNvPr id="9" name="Rounded Rectangular Callout 6">
                 <a:extLst>
                   <a:ext uri="{FF2B5EF4-FFF2-40B4-BE49-F238E27FC236}">
-                    <a16:creationId xmlns:a16="http://schemas.microsoft.com/office/drawing/2014/main" id="{9C36816B-B834-47B0-99BA-DAC201BE92CF}"/>
+                    <a16:creationId xmlns:a16="http://schemas.microsoft.com/office/drawing/2014/main" xmlns="" id="{9C36816B-B834-47B0-99BA-DAC201BE92CF}"/>
                   </a:ext>
                 </a:extLst>
               </p:cNvPr>
@@ -9239,7 +9238,7 @@
               <p:cNvPr id="10" name="Textfeld 9">
                 <a:extLst>
                   <a:ext uri="{FF2B5EF4-FFF2-40B4-BE49-F238E27FC236}">
-                    <a16:creationId xmlns:a16="http://schemas.microsoft.com/office/drawing/2014/main" id="{1E355177-EC15-452E-AD58-5D4D779C5C26}"/>
+                    <a16:creationId xmlns:a16="http://schemas.microsoft.com/office/drawing/2014/main" xmlns="" id="{1E355177-EC15-452E-AD58-5D4D779C5C26}"/>
                   </a:ext>
                 </a:extLst>
               </p:cNvPr>
@@ -9287,7 +9286,7 @@
               <p:cNvPr id="11" name="Gerader Verbinder 10">
                 <a:extLst>
                   <a:ext uri="{FF2B5EF4-FFF2-40B4-BE49-F238E27FC236}">
-                    <a16:creationId xmlns:a16="http://schemas.microsoft.com/office/drawing/2014/main" id="{AF89A954-0A73-4A72-80A8-D76962A497C2}"/>
+                    <a16:creationId xmlns:a16="http://schemas.microsoft.com/office/drawing/2014/main" xmlns="" id="{AF89A954-0A73-4A72-80A8-D76962A497C2}"/>
                   </a:ext>
                 </a:extLst>
               </p:cNvPr>
@@ -9329,7 +9328,7 @@
             <p:cNvPr id="12" name="Gruppieren 11">
               <a:extLst>
                 <a:ext uri="{FF2B5EF4-FFF2-40B4-BE49-F238E27FC236}">
-                  <a16:creationId xmlns:a16="http://schemas.microsoft.com/office/drawing/2014/main" id="{DD110E09-284F-4901-8DB2-2828BDEEF163}"/>
+                  <a16:creationId xmlns:a16="http://schemas.microsoft.com/office/drawing/2014/main" xmlns="" id="{DD110E09-284F-4901-8DB2-2828BDEEF163}"/>
                 </a:ext>
               </a:extLst>
             </p:cNvPr>
@@ -9351,7 +9350,7 @@
               <p:cNvPr id="13" name="Rounded Rectangular Callout 6">
                 <a:extLst>
                   <a:ext uri="{FF2B5EF4-FFF2-40B4-BE49-F238E27FC236}">
-                    <a16:creationId xmlns:a16="http://schemas.microsoft.com/office/drawing/2014/main" id="{FE653CC7-3C75-4136-BD98-BB18B4BC9B46}"/>
+                    <a16:creationId xmlns:a16="http://schemas.microsoft.com/office/drawing/2014/main" xmlns="" id="{FE653CC7-3C75-4136-BD98-BB18B4BC9B46}"/>
                   </a:ext>
                 </a:extLst>
               </p:cNvPr>
@@ -9410,7 +9409,7 @@
               <p:cNvPr id="14" name="Textfeld 13">
                 <a:extLst>
                   <a:ext uri="{FF2B5EF4-FFF2-40B4-BE49-F238E27FC236}">
-                    <a16:creationId xmlns:a16="http://schemas.microsoft.com/office/drawing/2014/main" id="{0600F9FB-D475-4119-8D3A-1FF2371D72FB}"/>
+                    <a16:creationId xmlns:a16="http://schemas.microsoft.com/office/drawing/2014/main" xmlns="" id="{0600F9FB-D475-4119-8D3A-1FF2371D72FB}"/>
                   </a:ext>
                 </a:extLst>
               </p:cNvPr>
@@ -9459,7 +9458,7 @@
             <p:cNvPr id="15" name="Grafik 4" descr="Ein Bild, das Tisch, Zeichnung enthält.&#10;&#10;Mit sehr hoher Zuverlässigkeit generierte Beschreibung">
               <a:extLst>
                 <a:ext uri="{FF2B5EF4-FFF2-40B4-BE49-F238E27FC236}">
-                  <a16:creationId xmlns:a16="http://schemas.microsoft.com/office/drawing/2014/main" id="{7FD73E52-2B2C-4B4D-9C49-50450C27A4A5}"/>
+                  <a16:creationId xmlns:a16="http://schemas.microsoft.com/office/drawing/2014/main" xmlns="" id="{7FD73E52-2B2C-4B4D-9C49-50450C27A4A5}"/>
                 </a:ext>
               </a:extLst>
             </p:cNvPr>
@@ -9489,7 +9488,7 @@
             <p:cNvPr id="16" name="Grafik 15">
               <a:extLst>
                 <a:ext uri="{FF2B5EF4-FFF2-40B4-BE49-F238E27FC236}">
-                  <a16:creationId xmlns:a16="http://schemas.microsoft.com/office/drawing/2014/main" id="{08920F1F-A1F2-49BF-8EFE-D4461807B3A9}"/>
+                  <a16:creationId xmlns:a16="http://schemas.microsoft.com/office/drawing/2014/main" xmlns="" id="{08920F1F-A1F2-49BF-8EFE-D4461807B3A9}"/>
                 </a:ext>
               </a:extLst>
             </p:cNvPr>
@@ -9519,7 +9518,7 @@
             <p:cNvPr id="17" name="Grafik 16">
               <a:extLst>
                 <a:ext uri="{FF2B5EF4-FFF2-40B4-BE49-F238E27FC236}">
-                  <a16:creationId xmlns:a16="http://schemas.microsoft.com/office/drawing/2014/main" id="{EB40AC1F-02F4-464F-BCB0-1A17CA408253}"/>
+                  <a16:creationId xmlns:a16="http://schemas.microsoft.com/office/drawing/2014/main" xmlns="" id="{EB40AC1F-02F4-464F-BCB0-1A17CA408253}"/>
                 </a:ext>
               </a:extLst>
             </p:cNvPr>
@@ -9549,7 +9548,7 @@
             <p:cNvPr id="18" name="Grafik 17">
               <a:extLst>
                 <a:ext uri="{FF2B5EF4-FFF2-40B4-BE49-F238E27FC236}">
-                  <a16:creationId xmlns:a16="http://schemas.microsoft.com/office/drawing/2014/main" id="{889D1D79-609E-45A0-BD2F-7A6C13C60B74}"/>
+                  <a16:creationId xmlns:a16="http://schemas.microsoft.com/office/drawing/2014/main" xmlns="" id="{889D1D79-609E-45A0-BD2F-7A6C13C60B74}"/>
                 </a:ext>
               </a:extLst>
             </p:cNvPr>
@@ -9579,7 +9578,7 @@
             <p:cNvPr id="19" name="Grafik 18">
               <a:extLst>
                 <a:ext uri="{FF2B5EF4-FFF2-40B4-BE49-F238E27FC236}">
-                  <a16:creationId xmlns:a16="http://schemas.microsoft.com/office/drawing/2014/main" id="{638E4C23-EFAA-404C-A50C-3A3850B5E665}"/>
+                  <a16:creationId xmlns:a16="http://schemas.microsoft.com/office/drawing/2014/main" xmlns="" id="{638E4C23-EFAA-404C-A50C-3A3850B5E665}"/>
                 </a:ext>
               </a:extLst>
             </p:cNvPr>
@@ -9609,7 +9608,7 @@
             <p:cNvPr id="20" name="Grafik 19">
               <a:extLst>
                 <a:ext uri="{FF2B5EF4-FFF2-40B4-BE49-F238E27FC236}">
-                  <a16:creationId xmlns:a16="http://schemas.microsoft.com/office/drawing/2014/main" id="{BFEAE1A4-E573-4223-9CBF-7725F09011C8}"/>
+                  <a16:creationId xmlns:a16="http://schemas.microsoft.com/office/drawing/2014/main" xmlns="" id="{BFEAE1A4-E573-4223-9CBF-7725F09011C8}"/>
                 </a:ext>
               </a:extLst>
             </p:cNvPr>
@@ -9639,7 +9638,7 @@
             <p:cNvPr id="21" name="Grafik 20">
               <a:extLst>
                 <a:ext uri="{FF2B5EF4-FFF2-40B4-BE49-F238E27FC236}">
-                  <a16:creationId xmlns:a16="http://schemas.microsoft.com/office/drawing/2014/main" id="{7327E5B3-B132-4B46-8508-0BCED4AAEA3D}"/>
+                  <a16:creationId xmlns:a16="http://schemas.microsoft.com/office/drawing/2014/main" xmlns="" id="{7327E5B3-B132-4B46-8508-0BCED4AAEA3D}"/>
                 </a:ext>
               </a:extLst>
             </p:cNvPr>
@@ -9669,7 +9668,7 @@
             <p:cNvPr id="22" name="Rounded Rectangular Callout 6">
               <a:extLst>
                 <a:ext uri="{FF2B5EF4-FFF2-40B4-BE49-F238E27FC236}">
-                  <a16:creationId xmlns:a16="http://schemas.microsoft.com/office/drawing/2014/main" id="{221E6CB2-BFC6-4410-B9D9-5505AA0F620C}"/>
+                  <a16:creationId xmlns:a16="http://schemas.microsoft.com/office/drawing/2014/main" xmlns="" id="{221E6CB2-BFC6-4410-B9D9-5505AA0F620C}"/>
                 </a:ext>
               </a:extLst>
             </p:cNvPr>
@@ -9728,7 +9727,7 @@
             <p:cNvPr id="23" name="Textfeld 22">
               <a:extLst>
                 <a:ext uri="{FF2B5EF4-FFF2-40B4-BE49-F238E27FC236}">
-                  <a16:creationId xmlns:a16="http://schemas.microsoft.com/office/drawing/2014/main" id="{F21576EF-7DA8-4C18-8135-C5042C9BD31B}"/>
+                  <a16:creationId xmlns:a16="http://schemas.microsoft.com/office/drawing/2014/main" xmlns="" id="{F21576EF-7DA8-4C18-8135-C5042C9BD31B}"/>
                 </a:ext>
               </a:extLst>
             </p:cNvPr>
@@ -9776,7 +9775,7 @@
             <p:cNvPr id="24" name="Graphic 9">
               <a:extLst>
                 <a:ext uri="{FF2B5EF4-FFF2-40B4-BE49-F238E27FC236}">
-                  <a16:creationId xmlns:a16="http://schemas.microsoft.com/office/drawing/2014/main" id="{AE09CBBB-0546-4532-B6A3-012010DFF294}"/>
+                  <a16:creationId xmlns:a16="http://schemas.microsoft.com/office/drawing/2014/main" xmlns="" id="{AE09CBBB-0546-4532-B6A3-012010DFF294}"/>
                 </a:ext>
               </a:extLst>
             </p:cNvPr>
@@ -9789,7 +9788,7 @@
             <a:blip r:embed="rId9">
               <a:extLst>
                 <a:ext uri="{96DAC541-7B7A-43D3-8B79-37D633B846F1}">
-                  <asvg:svgBlip xmlns:asvg="http://schemas.microsoft.com/office/drawing/2016/SVG/main" r:embed="rId10"/>
+                  <asvg:svgBlip xmlns:asvg="http://schemas.microsoft.com/office/drawing/2016/SVG/main" xmlns="" r:embed="rId10"/>
                 </a:ext>
               </a:extLst>
             </a:blip>
@@ -9812,7 +9811,7 @@
           <p:cNvPr id="47" name="Gruppieren 46">
             <a:extLst>
               <a:ext uri="{FF2B5EF4-FFF2-40B4-BE49-F238E27FC236}">
-                <a16:creationId xmlns:a16="http://schemas.microsoft.com/office/drawing/2014/main" id="{9197335D-C568-402D-AD44-713A64D9DC9A}"/>
+                <a16:creationId xmlns:a16="http://schemas.microsoft.com/office/drawing/2014/main" xmlns="" id="{9197335D-C568-402D-AD44-713A64D9DC9A}"/>
               </a:ext>
             </a:extLst>
           </p:cNvPr>
@@ -9834,7 +9833,7 @@
             <p:cNvPr id="27" name="Grafik 4">
               <a:extLst>
                 <a:ext uri="{FF2B5EF4-FFF2-40B4-BE49-F238E27FC236}">
-                  <a16:creationId xmlns:a16="http://schemas.microsoft.com/office/drawing/2014/main" id="{DD0F07D3-9AEC-4A75-A282-67545C35B945}"/>
+                  <a16:creationId xmlns:a16="http://schemas.microsoft.com/office/drawing/2014/main" xmlns="" id="{DD0F07D3-9AEC-4A75-A282-67545C35B945}"/>
                 </a:ext>
               </a:extLst>
             </p:cNvPr>
@@ -9863,7 +9862,7 @@
             <p:cNvPr id="28" name="Grafik 27">
               <a:extLst>
                 <a:ext uri="{FF2B5EF4-FFF2-40B4-BE49-F238E27FC236}">
-                  <a16:creationId xmlns:a16="http://schemas.microsoft.com/office/drawing/2014/main" id="{2263A7B7-0B5A-413C-A920-761174E35297}"/>
+                  <a16:creationId xmlns:a16="http://schemas.microsoft.com/office/drawing/2014/main" xmlns="" id="{2263A7B7-0B5A-413C-A920-761174E35297}"/>
                 </a:ext>
               </a:extLst>
             </p:cNvPr>
@@ -9893,7 +9892,7 @@
             <p:cNvPr id="29" name="Grafik 28">
               <a:extLst>
                 <a:ext uri="{FF2B5EF4-FFF2-40B4-BE49-F238E27FC236}">
-                  <a16:creationId xmlns:a16="http://schemas.microsoft.com/office/drawing/2014/main" id="{8C0B3010-0FED-4326-BC35-005CAED81D49}"/>
+                  <a16:creationId xmlns:a16="http://schemas.microsoft.com/office/drawing/2014/main" xmlns="" id="{8C0B3010-0FED-4326-BC35-005CAED81D49}"/>
                 </a:ext>
               </a:extLst>
             </p:cNvPr>
@@ -9923,7 +9922,7 @@
             <p:cNvPr id="30" name="Grafik 29">
               <a:extLst>
                 <a:ext uri="{FF2B5EF4-FFF2-40B4-BE49-F238E27FC236}">
-                  <a16:creationId xmlns:a16="http://schemas.microsoft.com/office/drawing/2014/main" id="{C01A5D98-B059-4137-8A51-7391B4C06C45}"/>
+                  <a16:creationId xmlns:a16="http://schemas.microsoft.com/office/drawing/2014/main" xmlns="" id="{C01A5D98-B059-4137-8A51-7391B4C06C45}"/>
                 </a:ext>
               </a:extLst>
             </p:cNvPr>
@@ -9953,7 +9952,7 @@
             <p:cNvPr id="31" name="Grafik 30">
               <a:extLst>
                 <a:ext uri="{FF2B5EF4-FFF2-40B4-BE49-F238E27FC236}">
-                  <a16:creationId xmlns:a16="http://schemas.microsoft.com/office/drawing/2014/main" id="{B8C12644-5787-47ED-A156-5988E9CC196B}"/>
+                  <a16:creationId xmlns:a16="http://schemas.microsoft.com/office/drawing/2014/main" xmlns="" id="{B8C12644-5787-47ED-A156-5988E9CC196B}"/>
                 </a:ext>
               </a:extLst>
             </p:cNvPr>
@@ -9983,7 +9982,7 @@
             <p:cNvPr id="32" name="Grafik 31">
               <a:extLst>
                 <a:ext uri="{FF2B5EF4-FFF2-40B4-BE49-F238E27FC236}">
-                  <a16:creationId xmlns:a16="http://schemas.microsoft.com/office/drawing/2014/main" id="{928BDFFC-C36C-4953-8E50-778C943D17CF}"/>
+                  <a16:creationId xmlns:a16="http://schemas.microsoft.com/office/drawing/2014/main" xmlns="" id="{928BDFFC-C36C-4953-8E50-778C943D17CF}"/>
                 </a:ext>
               </a:extLst>
             </p:cNvPr>
@@ -10013,7 +10012,7 @@
             <p:cNvPr id="33" name="Grafik 32">
               <a:extLst>
                 <a:ext uri="{FF2B5EF4-FFF2-40B4-BE49-F238E27FC236}">
-                  <a16:creationId xmlns:a16="http://schemas.microsoft.com/office/drawing/2014/main" id="{14216AFB-4B52-44A6-8274-1A154371AFF3}"/>
+                  <a16:creationId xmlns:a16="http://schemas.microsoft.com/office/drawing/2014/main" xmlns="" id="{14216AFB-4B52-44A6-8274-1A154371AFF3}"/>
                 </a:ext>
               </a:extLst>
             </p:cNvPr>
@@ -10043,7 +10042,7 @@
             <p:cNvPr id="34" name="Gruppieren 33">
               <a:extLst>
                 <a:ext uri="{FF2B5EF4-FFF2-40B4-BE49-F238E27FC236}">
-                  <a16:creationId xmlns:a16="http://schemas.microsoft.com/office/drawing/2014/main" id="{3F606D06-3A75-4938-ACA7-B67CAF5AB0E5}"/>
+                  <a16:creationId xmlns:a16="http://schemas.microsoft.com/office/drawing/2014/main" xmlns="" id="{3F606D06-3A75-4938-ACA7-B67CAF5AB0E5}"/>
                 </a:ext>
               </a:extLst>
             </p:cNvPr>
@@ -10063,7 +10062,7 @@
               <p:cNvPr id="35" name="Cloud Callout 20">
                 <a:extLst>
                   <a:ext uri="{FF2B5EF4-FFF2-40B4-BE49-F238E27FC236}">
-                    <a16:creationId xmlns:a16="http://schemas.microsoft.com/office/drawing/2014/main" id="{12486348-11BF-4523-B71C-C12273443860}"/>
+                    <a16:creationId xmlns:a16="http://schemas.microsoft.com/office/drawing/2014/main" xmlns="" id="{12486348-11BF-4523-B71C-C12273443860}"/>
                   </a:ext>
                 </a:extLst>
               </p:cNvPr>
@@ -10127,7 +10126,7 @@
               <p:cNvPr id="36" name="Grafik 35" descr="Besorgte Gesichtskontur">
                 <a:extLst>
                   <a:ext uri="{FF2B5EF4-FFF2-40B4-BE49-F238E27FC236}">
-                    <a16:creationId xmlns:a16="http://schemas.microsoft.com/office/drawing/2014/main" id="{38BB72A0-8CFF-4157-A734-F7F61EE67845}"/>
+                    <a16:creationId xmlns:a16="http://schemas.microsoft.com/office/drawing/2014/main" xmlns="" id="{38BB72A0-8CFF-4157-A734-F7F61EE67845}"/>
                   </a:ext>
                 </a:extLst>
               </p:cNvPr>
@@ -10140,7 +10139,7 @@
               <a:blip r:embed="rId11">
                 <a:extLst>
                   <a:ext uri="{96DAC541-7B7A-43D3-8B79-37D633B846F1}">
-                    <asvg:svgBlip xmlns:asvg="http://schemas.microsoft.com/office/drawing/2016/SVG/main" r:embed="rId12"/>
+                    <asvg:svgBlip xmlns:asvg="http://schemas.microsoft.com/office/drawing/2016/SVG/main" xmlns="" r:embed="rId12"/>
                   </a:ext>
                 </a:extLst>
               </a:blip>
@@ -10163,7 +10162,7 @@
               <p:cNvPr id="37" name="Grafik 36" descr="Weinende Gesichtskontur">
                 <a:extLst>
                   <a:ext uri="{FF2B5EF4-FFF2-40B4-BE49-F238E27FC236}">
-                    <a16:creationId xmlns:a16="http://schemas.microsoft.com/office/drawing/2014/main" id="{163100EA-CD5B-4C8E-A13A-724331A06AAF}"/>
+                    <a16:creationId xmlns:a16="http://schemas.microsoft.com/office/drawing/2014/main" xmlns="" id="{163100EA-CD5B-4C8E-A13A-724331A06AAF}"/>
                   </a:ext>
                 </a:extLst>
               </p:cNvPr>
@@ -10176,7 +10175,7 @@
               <a:blip r:embed="rId13">
                 <a:extLst>
                   <a:ext uri="{96DAC541-7B7A-43D3-8B79-37D633B846F1}">
-                    <asvg:svgBlip xmlns:asvg="http://schemas.microsoft.com/office/drawing/2016/SVG/main" r:embed="rId14"/>
+                    <asvg:svgBlip xmlns:asvg="http://schemas.microsoft.com/office/drawing/2016/SVG/main" xmlns="" r:embed="rId14"/>
                   </a:ext>
                 </a:extLst>
               </a:blip>
@@ -10199,7 +10198,7 @@
               <p:cNvPr id="38" name="Gruppieren 37">
                 <a:extLst>
                   <a:ext uri="{FF2B5EF4-FFF2-40B4-BE49-F238E27FC236}">
-                    <a16:creationId xmlns:a16="http://schemas.microsoft.com/office/drawing/2014/main" id="{A3626C70-BCBE-4F63-BD0C-8C3A561A004F}"/>
+                    <a16:creationId xmlns:a16="http://schemas.microsoft.com/office/drawing/2014/main" xmlns="" id="{A3626C70-BCBE-4F63-BD0C-8C3A561A004F}"/>
                   </a:ext>
                 </a:extLst>
               </p:cNvPr>
@@ -10219,7 +10218,7 @@
                 <p:cNvPr id="40" name="Graphic 5">
                   <a:extLst>
                     <a:ext uri="{FF2B5EF4-FFF2-40B4-BE49-F238E27FC236}">
-                      <a16:creationId xmlns:a16="http://schemas.microsoft.com/office/drawing/2014/main" id="{F0C7F2C6-FE16-4DC1-83F3-AF9C5FDD59F3}"/>
+                      <a16:creationId xmlns:a16="http://schemas.microsoft.com/office/drawing/2014/main" xmlns="" id="{F0C7F2C6-FE16-4DC1-83F3-AF9C5FDD59F3}"/>
                     </a:ext>
                   </a:extLst>
                 </p:cNvPr>
@@ -10232,7 +10231,7 @@
                 <a:blip r:embed="rId15">
                   <a:extLst>
                     <a:ext uri="{96DAC541-7B7A-43D3-8B79-37D633B846F1}">
-                      <asvg:svgBlip xmlns:asvg="http://schemas.microsoft.com/office/drawing/2016/SVG/main" r:embed="rId16"/>
+                      <asvg:svgBlip xmlns:asvg="http://schemas.microsoft.com/office/drawing/2016/SVG/main" xmlns="" r:embed="rId16"/>
                     </a:ext>
                   </a:extLst>
                 </a:blip>
@@ -10255,7 +10254,7 @@
                 <p:cNvPr id="41" name="Graphic 12">
                   <a:extLst>
                     <a:ext uri="{FF2B5EF4-FFF2-40B4-BE49-F238E27FC236}">
-                      <a16:creationId xmlns:a16="http://schemas.microsoft.com/office/drawing/2014/main" id="{D62B918D-97A0-4884-ADAC-436FB61F46F7}"/>
+                      <a16:creationId xmlns:a16="http://schemas.microsoft.com/office/drawing/2014/main" xmlns="" id="{D62B918D-97A0-4884-ADAC-436FB61F46F7}"/>
                     </a:ext>
                   </a:extLst>
                 </p:cNvPr>
@@ -10268,7 +10267,7 @@
                 <a:blip r:embed="rId17">
                   <a:extLst>
                     <a:ext uri="{96DAC541-7B7A-43D3-8B79-37D633B846F1}">
-                      <asvg:svgBlip xmlns:asvg="http://schemas.microsoft.com/office/drawing/2016/SVG/main" r:embed="rId18"/>
+                      <asvg:svgBlip xmlns:asvg="http://schemas.microsoft.com/office/drawing/2016/SVG/main" xmlns="" r:embed="rId18"/>
                     </a:ext>
                   </a:extLst>
                 </a:blip>
@@ -10291,7 +10290,7 @@
                 <p:cNvPr id="42" name="Graphic 5">
                   <a:extLst>
                     <a:ext uri="{FF2B5EF4-FFF2-40B4-BE49-F238E27FC236}">
-                      <a16:creationId xmlns:a16="http://schemas.microsoft.com/office/drawing/2014/main" id="{7C1DCAA9-7040-4FE4-A852-C28672FB6C86}"/>
+                      <a16:creationId xmlns:a16="http://schemas.microsoft.com/office/drawing/2014/main" xmlns="" id="{7C1DCAA9-7040-4FE4-A852-C28672FB6C86}"/>
                     </a:ext>
                   </a:extLst>
                 </p:cNvPr>
@@ -10304,7 +10303,7 @@
                 <a:blip r:embed="rId19">
                   <a:extLst>
                     <a:ext uri="{96DAC541-7B7A-43D3-8B79-37D633B846F1}">
-                      <asvg:svgBlip xmlns:asvg="http://schemas.microsoft.com/office/drawing/2016/SVG/main" r:embed="rId20"/>
+                      <asvg:svgBlip xmlns:asvg="http://schemas.microsoft.com/office/drawing/2016/SVG/main" xmlns="" r:embed="rId20"/>
                     </a:ext>
                   </a:extLst>
                 </a:blip>
@@ -10327,7 +10326,7 @@
                 <p:cNvPr id="43" name="Graphic 13">
                   <a:extLst>
                     <a:ext uri="{FF2B5EF4-FFF2-40B4-BE49-F238E27FC236}">
-                      <a16:creationId xmlns:a16="http://schemas.microsoft.com/office/drawing/2014/main" id="{91026F21-511D-47C6-AF99-7F4B9197DF9A}"/>
+                      <a16:creationId xmlns:a16="http://schemas.microsoft.com/office/drawing/2014/main" xmlns="" id="{91026F21-511D-47C6-AF99-7F4B9197DF9A}"/>
                     </a:ext>
                   </a:extLst>
                 </p:cNvPr>
@@ -10340,7 +10339,7 @@
                 <a:blip r:embed="rId5">
                   <a:extLst>
                     <a:ext uri="{96DAC541-7B7A-43D3-8B79-37D633B846F1}">
-                      <asvg:svgBlip xmlns:asvg="http://schemas.microsoft.com/office/drawing/2016/SVG/main" r:embed="rId6"/>
+                      <asvg:svgBlip xmlns:asvg="http://schemas.microsoft.com/office/drawing/2016/SVG/main" xmlns="" r:embed="rId6"/>
                     </a:ext>
                   </a:extLst>
                 </a:blip>
@@ -10364,7 +10363,7 @@
               <p:cNvPr id="39" name="Grafik 38" descr="Schließen">
                 <a:extLst>
                   <a:ext uri="{FF2B5EF4-FFF2-40B4-BE49-F238E27FC236}">
-                    <a16:creationId xmlns:a16="http://schemas.microsoft.com/office/drawing/2014/main" id="{060F3858-442D-4528-B398-A946613EAF42}"/>
+                    <a16:creationId xmlns:a16="http://schemas.microsoft.com/office/drawing/2014/main" xmlns="" id="{060F3858-442D-4528-B398-A946613EAF42}"/>
                   </a:ext>
                 </a:extLst>
               </p:cNvPr>
@@ -10377,7 +10376,7 @@
               <a:blip r:embed="rId21">
                 <a:extLst>
                   <a:ext uri="{96DAC541-7B7A-43D3-8B79-37D633B846F1}">
-                    <asvg:svgBlip xmlns:asvg="http://schemas.microsoft.com/office/drawing/2016/SVG/main" r:embed="rId22"/>
+                    <asvg:svgBlip xmlns:asvg="http://schemas.microsoft.com/office/drawing/2016/SVG/main" xmlns="" r:embed="rId22"/>
                   </a:ext>
                 </a:extLst>
               </a:blip>
@@ -10401,7 +10400,7 @@
             <p:cNvPr id="44" name="Gruppieren 43">
               <a:extLst>
                 <a:ext uri="{FF2B5EF4-FFF2-40B4-BE49-F238E27FC236}">
-                  <a16:creationId xmlns:a16="http://schemas.microsoft.com/office/drawing/2014/main" id="{C2CE31DD-0277-4186-80CA-934063793873}"/>
+                  <a16:creationId xmlns:a16="http://schemas.microsoft.com/office/drawing/2014/main" xmlns="" id="{C2CE31DD-0277-4186-80CA-934063793873}"/>
                 </a:ext>
               </a:extLst>
             </p:cNvPr>
@@ -10421,7 +10420,7 @@
               <p:cNvPr id="45" name="Graphic 9">
                 <a:extLst>
                   <a:ext uri="{FF2B5EF4-FFF2-40B4-BE49-F238E27FC236}">
-                    <a16:creationId xmlns:a16="http://schemas.microsoft.com/office/drawing/2014/main" id="{50C66901-2E22-4601-AB7B-37DC7D180C0D}"/>
+                    <a16:creationId xmlns:a16="http://schemas.microsoft.com/office/drawing/2014/main" xmlns="" id="{50C66901-2E22-4601-AB7B-37DC7D180C0D}"/>
                   </a:ext>
                 </a:extLst>
               </p:cNvPr>
@@ -10434,7 +10433,7 @@
               <a:blip r:embed="rId9">
                 <a:extLst>
                   <a:ext uri="{96DAC541-7B7A-43D3-8B79-37D633B846F1}">
-                    <asvg:svgBlip xmlns:asvg="http://schemas.microsoft.com/office/drawing/2016/SVG/main" r:embed="rId10"/>
+                    <asvg:svgBlip xmlns:asvg="http://schemas.microsoft.com/office/drawing/2016/SVG/main" xmlns="" r:embed="rId10"/>
                   </a:ext>
                 </a:extLst>
               </a:blip>
@@ -10456,7 +10455,7 @@
               <p:cNvPr id="46" name="Grafik 45">
                 <a:extLst>
                   <a:ext uri="{FF2B5EF4-FFF2-40B4-BE49-F238E27FC236}">
-                    <a16:creationId xmlns:a16="http://schemas.microsoft.com/office/drawing/2014/main" id="{CC7470E2-670E-49D2-AA74-9172BD190CA6}"/>
+                    <a16:creationId xmlns:a16="http://schemas.microsoft.com/office/drawing/2014/main" xmlns="" id="{CC7470E2-670E-49D2-AA74-9172BD190CA6}"/>
                   </a:ext>
                 </a:extLst>
               </p:cNvPr>
@@ -10487,7 +10486,7 @@
           <p:cNvPr id="49" name="Gerader Verbinder 48">
             <a:extLst>
               <a:ext uri="{FF2B5EF4-FFF2-40B4-BE49-F238E27FC236}">
-                <a16:creationId xmlns:a16="http://schemas.microsoft.com/office/drawing/2014/main" id="{107ABB80-94DC-4BF1-B10C-177C4EE02769}"/>
+                <a16:creationId xmlns:a16="http://schemas.microsoft.com/office/drawing/2014/main" xmlns="" id="{107ABB80-94DC-4BF1-B10C-177C4EE02769}"/>
               </a:ext>
             </a:extLst>
           </p:cNvPr>
@@ -10524,7 +10523,7 @@
           <p:cNvPr id="52" name="Gruppieren 51">
             <a:extLst>
               <a:ext uri="{FF2B5EF4-FFF2-40B4-BE49-F238E27FC236}">
-                <a16:creationId xmlns:a16="http://schemas.microsoft.com/office/drawing/2014/main" id="{35831FF2-B9E8-4C72-8A4F-8477EFECD98D}"/>
+                <a16:creationId xmlns:a16="http://schemas.microsoft.com/office/drawing/2014/main" xmlns="" id="{35831FF2-B9E8-4C72-8A4F-8477EFECD98D}"/>
               </a:ext>
             </a:extLst>
           </p:cNvPr>
@@ -10546,7 +10545,7 @@
             <p:cNvPr id="50" name="Cloud Callout 20">
               <a:extLst>
                 <a:ext uri="{FF2B5EF4-FFF2-40B4-BE49-F238E27FC236}">
-                  <a16:creationId xmlns:a16="http://schemas.microsoft.com/office/drawing/2014/main" id="{7B17D37B-CE60-457B-90AA-A56BCC42252D}"/>
+                  <a16:creationId xmlns:a16="http://schemas.microsoft.com/office/drawing/2014/main" xmlns="" id="{7B17D37B-CE60-457B-90AA-A56BCC42252D}"/>
                 </a:ext>
               </a:extLst>
             </p:cNvPr>
@@ -10610,7 +10609,7 @@
             <p:cNvPr id="51" name="Grafik 50" descr="Kaffee">
               <a:extLst>
                 <a:ext uri="{FF2B5EF4-FFF2-40B4-BE49-F238E27FC236}">
-                  <a16:creationId xmlns:a16="http://schemas.microsoft.com/office/drawing/2014/main" id="{D363D434-8F52-4B96-BEEA-A165D7EF1089}"/>
+                  <a16:creationId xmlns:a16="http://schemas.microsoft.com/office/drawing/2014/main" xmlns="" id="{D363D434-8F52-4B96-BEEA-A165D7EF1089}"/>
                 </a:ext>
               </a:extLst>
             </p:cNvPr>
@@ -10623,7 +10622,7 @@
             <a:blip r:embed="rId24">
               <a:extLst>
                 <a:ext uri="{96DAC541-7B7A-43D3-8B79-37D633B846F1}">
-                  <asvg:svgBlip xmlns:asvg="http://schemas.microsoft.com/office/drawing/2016/SVG/main" r:embed="rId25"/>
+                  <asvg:svgBlip xmlns:asvg="http://schemas.microsoft.com/office/drawing/2016/SVG/main" xmlns="" r:embed="rId25"/>
                 </a:ext>
               </a:extLst>
             </a:blip>
@@ -10677,7 +10676,7 @@
           <p:cNvPr id="8" name="Titel 7">
             <a:extLst>
               <a:ext uri="{FF2B5EF4-FFF2-40B4-BE49-F238E27FC236}">
-                <a16:creationId xmlns:a16="http://schemas.microsoft.com/office/drawing/2014/main" id="{1DDEBC88-D711-45B0-AEF1-427E36229141}"/>
+                <a16:creationId xmlns:a16="http://schemas.microsoft.com/office/drawing/2014/main" xmlns="" id="{1DDEBC88-D711-45B0-AEF1-427E36229141}"/>
               </a:ext>
             </a:extLst>
           </p:cNvPr>
@@ -10705,7 +10704,7 @@
           <p:cNvPr id="9" name="Gruppieren 8">
             <a:extLst>
               <a:ext uri="{FF2B5EF4-FFF2-40B4-BE49-F238E27FC236}">
-                <a16:creationId xmlns:a16="http://schemas.microsoft.com/office/drawing/2014/main" id="{07B868C5-25AC-4751-8822-560AD2FFA8AD}"/>
+                <a16:creationId xmlns:a16="http://schemas.microsoft.com/office/drawing/2014/main" xmlns="" id="{07B868C5-25AC-4751-8822-560AD2FFA8AD}"/>
               </a:ext>
             </a:extLst>
           </p:cNvPr>
@@ -10727,7 +10726,7 @@
             <p:cNvPr id="10" name="Grafik 4">
               <a:extLst>
                 <a:ext uri="{FF2B5EF4-FFF2-40B4-BE49-F238E27FC236}">
-                  <a16:creationId xmlns:a16="http://schemas.microsoft.com/office/drawing/2014/main" id="{BA5E7BEC-3FD0-49DF-8420-0E42408F191C}"/>
+                  <a16:creationId xmlns:a16="http://schemas.microsoft.com/office/drawing/2014/main" xmlns="" id="{BA5E7BEC-3FD0-49DF-8420-0E42408F191C}"/>
                 </a:ext>
               </a:extLst>
             </p:cNvPr>
@@ -10757,7 +10756,7 @@
             <p:cNvPr id="11" name="Graphic 9">
               <a:extLst>
                 <a:ext uri="{FF2B5EF4-FFF2-40B4-BE49-F238E27FC236}">
-                  <a16:creationId xmlns:a16="http://schemas.microsoft.com/office/drawing/2014/main" id="{4AF03E88-7063-4206-A4B8-73A394D002B0}"/>
+                  <a16:creationId xmlns:a16="http://schemas.microsoft.com/office/drawing/2014/main" xmlns="" id="{4AF03E88-7063-4206-A4B8-73A394D002B0}"/>
                 </a:ext>
               </a:extLst>
             </p:cNvPr>
@@ -10770,7 +10769,7 @@
             <a:blip r:embed="rId3">
               <a:extLst>
                 <a:ext uri="{96DAC541-7B7A-43D3-8B79-37D633B846F1}">
-                  <asvg:svgBlip xmlns:asvg="http://schemas.microsoft.com/office/drawing/2016/SVG/main" r:embed="rId4"/>
+                  <asvg:svgBlip xmlns:asvg="http://schemas.microsoft.com/office/drawing/2016/SVG/main" xmlns="" r:embed="rId4"/>
                 </a:ext>
               </a:extLst>
             </a:blip>
@@ -10792,7 +10791,7 @@
             <p:cNvPr id="12" name="Cloud Callout 20">
               <a:extLst>
                 <a:ext uri="{FF2B5EF4-FFF2-40B4-BE49-F238E27FC236}">
-                  <a16:creationId xmlns:a16="http://schemas.microsoft.com/office/drawing/2014/main" id="{B06A9894-CD0B-4E2A-9867-10D56F818E10}"/>
+                  <a16:creationId xmlns:a16="http://schemas.microsoft.com/office/drawing/2014/main" xmlns="" id="{B06A9894-CD0B-4E2A-9867-10D56F818E10}"/>
                 </a:ext>
               </a:extLst>
             </p:cNvPr>
@@ -10856,7 +10855,7 @@
             <p:cNvPr id="13" name="Cloud Callout 20">
               <a:extLst>
                 <a:ext uri="{FF2B5EF4-FFF2-40B4-BE49-F238E27FC236}">
-                  <a16:creationId xmlns:a16="http://schemas.microsoft.com/office/drawing/2014/main" id="{96B9C700-DCE8-402D-BD04-B5025BCE6A95}"/>
+                  <a16:creationId xmlns:a16="http://schemas.microsoft.com/office/drawing/2014/main" xmlns="" id="{96B9C700-DCE8-402D-BD04-B5025BCE6A95}"/>
                 </a:ext>
               </a:extLst>
             </p:cNvPr>
@@ -10920,7 +10919,7 @@
             <p:cNvPr id="14" name="Gruppieren 13">
               <a:extLst>
                 <a:ext uri="{FF2B5EF4-FFF2-40B4-BE49-F238E27FC236}">
-                  <a16:creationId xmlns:a16="http://schemas.microsoft.com/office/drawing/2014/main" id="{58EB7B56-3C54-4036-8548-7EBC33A76A6F}"/>
+                  <a16:creationId xmlns:a16="http://schemas.microsoft.com/office/drawing/2014/main" xmlns="" id="{58EB7B56-3C54-4036-8548-7EBC33A76A6F}"/>
                 </a:ext>
               </a:extLst>
             </p:cNvPr>
@@ -10940,7 +10939,7 @@
               <p:cNvPr id="41" name="Graphic 5">
                 <a:extLst>
                   <a:ext uri="{FF2B5EF4-FFF2-40B4-BE49-F238E27FC236}">
-                    <a16:creationId xmlns:a16="http://schemas.microsoft.com/office/drawing/2014/main" id="{D39949D1-7EE7-4ACF-95B4-F82F22DB6E6C}"/>
+                    <a16:creationId xmlns:a16="http://schemas.microsoft.com/office/drawing/2014/main" xmlns="" id="{D39949D1-7EE7-4ACF-95B4-F82F22DB6E6C}"/>
                   </a:ext>
                 </a:extLst>
               </p:cNvPr>
@@ -10953,7 +10952,7 @@
               <a:blip r:embed="rId5">
                 <a:extLst>
                   <a:ext uri="{96DAC541-7B7A-43D3-8B79-37D633B846F1}">
-                    <asvg:svgBlip xmlns:asvg="http://schemas.microsoft.com/office/drawing/2016/SVG/main" r:embed="rId6"/>
+                    <asvg:svgBlip xmlns:asvg="http://schemas.microsoft.com/office/drawing/2016/SVG/main" xmlns="" r:embed="rId6"/>
                   </a:ext>
                 </a:extLst>
               </a:blip>
@@ -10976,7 +10975,7 @@
               <p:cNvPr id="42" name="Graphic 12">
                 <a:extLst>
                   <a:ext uri="{FF2B5EF4-FFF2-40B4-BE49-F238E27FC236}">
-                    <a16:creationId xmlns:a16="http://schemas.microsoft.com/office/drawing/2014/main" id="{B8A2F4FF-B09D-430C-A04C-7E886B944013}"/>
+                    <a16:creationId xmlns:a16="http://schemas.microsoft.com/office/drawing/2014/main" xmlns="" id="{B8A2F4FF-B09D-430C-A04C-7E886B944013}"/>
                   </a:ext>
                 </a:extLst>
               </p:cNvPr>
@@ -10989,7 +10988,7 @@
               <a:blip r:embed="rId7">
                 <a:extLst>
                   <a:ext uri="{96DAC541-7B7A-43D3-8B79-37D633B846F1}">
-                    <asvg:svgBlip xmlns:asvg="http://schemas.microsoft.com/office/drawing/2016/SVG/main" r:embed="rId8"/>
+                    <asvg:svgBlip xmlns:asvg="http://schemas.microsoft.com/office/drawing/2016/SVG/main" xmlns="" r:embed="rId8"/>
                   </a:ext>
                 </a:extLst>
               </a:blip>
@@ -11012,7 +11011,7 @@
               <p:cNvPr id="43" name="Graphic 5">
                 <a:extLst>
                   <a:ext uri="{FF2B5EF4-FFF2-40B4-BE49-F238E27FC236}">
-                    <a16:creationId xmlns:a16="http://schemas.microsoft.com/office/drawing/2014/main" id="{373F1672-3ADB-4EE7-B664-3010219EA72D}"/>
+                    <a16:creationId xmlns:a16="http://schemas.microsoft.com/office/drawing/2014/main" xmlns="" id="{373F1672-3ADB-4EE7-B664-3010219EA72D}"/>
                   </a:ext>
                 </a:extLst>
               </p:cNvPr>
@@ -11025,7 +11024,7 @@
               <a:blip r:embed="rId9">
                 <a:extLst>
                   <a:ext uri="{96DAC541-7B7A-43D3-8B79-37D633B846F1}">
-                    <asvg:svgBlip xmlns:asvg="http://schemas.microsoft.com/office/drawing/2016/SVG/main" r:embed="rId10"/>
+                    <asvg:svgBlip xmlns:asvg="http://schemas.microsoft.com/office/drawing/2016/SVG/main" xmlns="" r:embed="rId10"/>
                   </a:ext>
                 </a:extLst>
               </a:blip>
@@ -11048,7 +11047,7 @@
               <p:cNvPr id="44" name="Graphic 13">
                 <a:extLst>
                   <a:ext uri="{FF2B5EF4-FFF2-40B4-BE49-F238E27FC236}">
-                    <a16:creationId xmlns:a16="http://schemas.microsoft.com/office/drawing/2014/main" id="{E8D57D82-FBDE-4349-974F-B8065463746C}"/>
+                    <a16:creationId xmlns:a16="http://schemas.microsoft.com/office/drawing/2014/main" xmlns="" id="{E8D57D82-FBDE-4349-974F-B8065463746C}"/>
                   </a:ext>
                 </a:extLst>
               </p:cNvPr>
@@ -11061,7 +11060,7 @@
               <a:blip r:embed="rId11">
                 <a:extLst>
                   <a:ext uri="{96DAC541-7B7A-43D3-8B79-37D633B846F1}">
-                    <asvg:svgBlip xmlns:asvg="http://schemas.microsoft.com/office/drawing/2016/SVG/main" r:embed="rId12"/>
+                    <asvg:svgBlip xmlns:asvg="http://schemas.microsoft.com/office/drawing/2016/SVG/main" xmlns="" r:embed="rId12"/>
                   </a:ext>
                 </a:extLst>
               </a:blip>
@@ -11085,7 +11084,7 @@
             <p:cNvPr id="15" name="Grafik 16" descr="Gebrochenes Herz">
               <a:extLst>
                 <a:ext uri="{FF2B5EF4-FFF2-40B4-BE49-F238E27FC236}">
-                  <a16:creationId xmlns:a16="http://schemas.microsoft.com/office/drawing/2014/main" id="{F2A5FD48-5B68-4B9D-B921-586CD3816530}"/>
+                  <a16:creationId xmlns:a16="http://schemas.microsoft.com/office/drawing/2014/main" xmlns="" id="{F2A5FD48-5B68-4B9D-B921-586CD3816530}"/>
                 </a:ext>
               </a:extLst>
             </p:cNvPr>
@@ -11098,7 +11097,7 @@
             <a:blip r:embed="rId13">
               <a:extLst>
                 <a:ext uri="{96DAC541-7B7A-43D3-8B79-37D633B846F1}">
-                  <asvg:svgBlip xmlns:asvg="http://schemas.microsoft.com/office/drawing/2016/SVG/main" r:embed="rId14"/>
+                  <asvg:svgBlip xmlns:asvg="http://schemas.microsoft.com/office/drawing/2016/SVG/main" xmlns="" r:embed="rId14"/>
                 </a:ext>
               </a:extLst>
             </a:blip>
@@ -11121,7 +11120,7 @@
             <p:cNvPr id="16" name="Grafik 15" descr="Kaffee">
               <a:extLst>
                 <a:ext uri="{FF2B5EF4-FFF2-40B4-BE49-F238E27FC236}">
-                  <a16:creationId xmlns:a16="http://schemas.microsoft.com/office/drawing/2014/main" id="{59298422-86CD-4EFB-A67D-49EEDF3ADCAA}"/>
+                  <a16:creationId xmlns:a16="http://schemas.microsoft.com/office/drawing/2014/main" xmlns="" id="{59298422-86CD-4EFB-A67D-49EEDF3ADCAA}"/>
                 </a:ext>
               </a:extLst>
             </p:cNvPr>
@@ -11134,7 +11133,7 @@
             <a:blip r:embed="rId15">
               <a:extLst>
                 <a:ext uri="{96DAC541-7B7A-43D3-8B79-37D633B846F1}">
-                  <asvg:svgBlip xmlns:asvg="http://schemas.microsoft.com/office/drawing/2016/SVG/main" r:embed="rId16"/>
+                  <asvg:svgBlip xmlns:asvg="http://schemas.microsoft.com/office/drawing/2016/SVG/main" xmlns="" r:embed="rId16"/>
                 </a:ext>
               </a:extLst>
             </a:blip>
@@ -11157,7 +11156,7 @@
             <p:cNvPr id="17" name="Gruppieren 16">
               <a:extLst>
                 <a:ext uri="{FF2B5EF4-FFF2-40B4-BE49-F238E27FC236}">
-                  <a16:creationId xmlns:a16="http://schemas.microsoft.com/office/drawing/2014/main" id="{38666312-8681-4779-B3B2-3E915322EB8C}"/>
+                  <a16:creationId xmlns:a16="http://schemas.microsoft.com/office/drawing/2014/main" xmlns="" id="{38666312-8681-4779-B3B2-3E915322EB8C}"/>
                 </a:ext>
               </a:extLst>
             </p:cNvPr>
@@ -11183,7 +11182,7 @@
               <p:cNvPr id="39" name="Rechteck 38">
                 <a:extLst>
                   <a:ext uri="{FF2B5EF4-FFF2-40B4-BE49-F238E27FC236}">
-                    <a16:creationId xmlns:a16="http://schemas.microsoft.com/office/drawing/2014/main" id="{7A7D620B-A4F8-4E94-8F3A-D169F5DA1A10}"/>
+                    <a16:creationId xmlns:a16="http://schemas.microsoft.com/office/drawing/2014/main" xmlns="" id="{7A7D620B-A4F8-4E94-8F3A-D169F5DA1A10}"/>
                   </a:ext>
                 </a:extLst>
               </p:cNvPr>
@@ -11239,7 +11238,7 @@
               <p:cNvPr id="40" name="Grafik 39" descr="Prozessor">
                 <a:extLst>
                   <a:ext uri="{FF2B5EF4-FFF2-40B4-BE49-F238E27FC236}">
-                    <a16:creationId xmlns:a16="http://schemas.microsoft.com/office/drawing/2014/main" id="{86FAE99C-65FD-4BB0-B035-4D6FC346951A}"/>
+                    <a16:creationId xmlns:a16="http://schemas.microsoft.com/office/drawing/2014/main" xmlns="" id="{86FAE99C-65FD-4BB0-B035-4D6FC346951A}"/>
                   </a:ext>
                 </a:extLst>
               </p:cNvPr>
@@ -11252,7 +11251,7 @@
               <a:blip r:embed="rId17">
                 <a:extLst>
                   <a:ext uri="{96DAC541-7B7A-43D3-8B79-37D633B846F1}">
-                    <asvg:svgBlip xmlns:asvg="http://schemas.microsoft.com/office/drawing/2016/SVG/main" r:embed="rId18"/>
+                    <asvg:svgBlip xmlns:asvg="http://schemas.microsoft.com/office/drawing/2016/SVG/main" xmlns="" r:embed="rId18"/>
                   </a:ext>
                 </a:extLst>
               </a:blip>
@@ -11276,7 +11275,7 @@
             <p:cNvPr id="18" name="Graphic 3">
               <a:extLst>
                 <a:ext uri="{FF2B5EF4-FFF2-40B4-BE49-F238E27FC236}">
-                  <a16:creationId xmlns:a16="http://schemas.microsoft.com/office/drawing/2014/main" id="{0DD08DE6-9074-436C-A11A-1B72CD9F9634}"/>
+                  <a16:creationId xmlns:a16="http://schemas.microsoft.com/office/drawing/2014/main" xmlns="" id="{0DD08DE6-9074-436C-A11A-1B72CD9F9634}"/>
                 </a:ext>
               </a:extLst>
             </p:cNvPr>
@@ -11289,7 +11288,7 @@
             <a:blip r:embed="rId19">
               <a:extLst>
                 <a:ext uri="{96DAC541-7B7A-43D3-8B79-37D633B846F1}">
-                  <asvg:svgBlip xmlns:asvg="http://schemas.microsoft.com/office/drawing/2016/SVG/main" r:embed="rId20"/>
+                  <asvg:svgBlip xmlns:asvg="http://schemas.microsoft.com/office/drawing/2016/SVG/main" xmlns="" r:embed="rId20"/>
                 </a:ext>
               </a:extLst>
             </a:blip>
@@ -11312,7 +11311,7 @@
             <p:cNvPr id="19" name="Grafik 18">
               <a:extLst>
                 <a:ext uri="{FF2B5EF4-FFF2-40B4-BE49-F238E27FC236}">
-                  <a16:creationId xmlns:a16="http://schemas.microsoft.com/office/drawing/2014/main" id="{6DFD19CB-E0AC-4F98-BD91-10FBB6EFB0B8}"/>
+                  <a16:creationId xmlns:a16="http://schemas.microsoft.com/office/drawing/2014/main" xmlns="" id="{6DFD19CB-E0AC-4F98-BD91-10FBB6EFB0B8}"/>
                 </a:ext>
               </a:extLst>
             </p:cNvPr>
@@ -11366,7 +11365,7 @@
             <p:cNvPr id="20" name="Gerader Verbinder 19">
               <a:extLst>
                 <a:ext uri="{FF2B5EF4-FFF2-40B4-BE49-F238E27FC236}">
-                  <a16:creationId xmlns:a16="http://schemas.microsoft.com/office/drawing/2014/main" id="{2563A255-4CCE-4AC8-AE5A-216119BC6B51}"/>
+                  <a16:creationId xmlns:a16="http://schemas.microsoft.com/office/drawing/2014/main" xmlns="" id="{2563A255-4CCE-4AC8-AE5A-216119BC6B51}"/>
                 </a:ext>
               </a:extLst>
             </p:cNvPr>
@@ -11404,7 +11403,7 @@
             <p:cNvPr id="21" name="Grafik 32" descr="Zusammendrücken Vergrößern">
               <a:extLst>
                 <a:ext uri="{FF2B5EF4-FFF2-40B4-BE49-F238E27FC236}">
-                  <a16:creationId xmlns:a16="http://schemas.microsoft.com/office/drawing/2014/main" id="{FC061CFC-CE1C-4BBB-87B0-C3D57B59F53A}"/>
+                  <a16:creationId xmlns:a16="http://schemas.microsoft.com/office/drawing/2014/main" xmlns="" id="{FC061CFC-CE1C-4BBB-87B0-C3D57B59F53A}"/>
                 </a:ext>
               </a:extLst>
             </p:cNvPr>
@@ -11417,7 +11416,7 @@
             <a:blip r:embed="rId22">
               <a:extLst>
                 <a:ext uri="{96DAC541-7B7A-43D3-8B79-37D633B846F1}">
-                  <asvg:svgBlip xmlns:asvg="http://schemas.microsoft.com/office/drawing/2016/SVG/main" r:embed="rId23"/>
+                  <asvg:svgBlip xmlns:asvg="http://schemas.microsoft.com/office/drawing/2016/SVG/main" xmlns="" r:embed="rId23"/>
                 </a:ext>
               </a:extLst>
             </a:blip>
@@ -11440,7 +11439,7 @@
             <p:cNvPr id="22" name="Gerader Verbinder 21">
               <a:extLst>
                 <a:ext uri="{FF2B5EF4-FFF2-40B4-BE49-F238E27FC236}">
-                  <a16:creationId xmlns:a16="http://schemas.microsoft.com/office/drawing/2014/main" id="{CCF6D603-7DE2-4A87-8B27-61210D2AF762}"/>
+                  <a16:creationId xmlns:a16="http://schemas.microsoft.com/office/drawing/2014/main" xmlns="" id="{CCF6D603-7DE2-4A87-8B27-61210D2AF762}"/>
                 </a:ext>
               </a:extLst>
             </p:cNvPr>
@@ -11473,14 +11472,14 @@
             </a:fontRef>
           </p:style>
         </p:cxnSp>
-        <mc:AlternateContent xmlns:mc="http://schemas.openxmlformats.org/markup-compatibility/2006">
-          <mc:Choice xmlns:p14="http://schemas.microsoft.com/office/powerpoint/2010/main" Requires="p14">
+        <mc:AlternateContent xmlns:mc="http://schemas.openxmlformats.org/markup-compatibility/2006" xmlns:p14="http://schemas.microsoft.com/office/powerpoint/2010/main">
+          <mc:Choice Requires="p14">
             <p:contentPart p14:bwMode="auto" r:id="rId24">
               <p14:nvContentPartPr>
                 <p14:cNvPr id="23" name="Freihand 22">
                   <a:extLst>
                     <a:ext uri="{FF2B5EF4-FFF2-40B4-BE49-F238E27FC236}">
-                      <a16:creationId xmlns:a16="http://schemas.microsoft.com/office/drawing/2014/main" id="{1A0968EB-35B5-4F9A-90C9-74C777970398}"/>
+                      <a16:creationId xmlns:a16="http://schemas.microsoft.com/office/drawing/2014/main" xmlns="" id="{1A0968EB-35B5-4F9A-90C9-74C777970398}"/>
                     </a:ext>
                   </a:extLst>
                 </p14:cNvPr>
@@ -11493,7 +11492,7 @@
               </p14:xfrm>
             </p:contentPart>
           </mc:Choice>
-          <mc:Fallback>
+          <mc:Fallback xmlns="">
             <p:pic>
               <p:nvPicPr>
                 <p:cNvPr id="23" name="Freihand 22">
@@ -11524,14 +11523,14 @@
             </p:pic>
           </mc:Fallback>
         </mc:AlternateContent>
-        <mc:AlternateContent xmlns:mc="http://schemas.openxmlformats.org/markup-compatibility/2006">
-          <mc:Choice xmlns:p14="http://schemas.microsoft.com/office/powerpoint/2010/main" Requires="p14">
+        <mc:AlternateContent xmlns:mc="http://schemas.openxmlformats.org/markup-compatibility/2006" xmlns:p14="http://schemas.microsoft.com/office/powerpoint/2010/main">
+          <mc:Choice Requires="p14">
             <p:contentPart p14:bwMode="auto" r:id="rId26">
               <p14:nvContentPartPr>
                 <p14:cNvPr id="24" name="Freihand 23">
                   <a:extLst>
                     <a:ext uri="{FF2B5EF4-FFF2-40B4-BE49-F238E27FC236}">
-                      <a16:creationId xmlns:a16="http://schemas.microsoft.com/office/drawing/2014/main" id="{49138168-9E91-45A7-AF51-86DE156B0A5B}"/>
+                      <a16:creationId xmlns:a16="http://schemas.microsoft.com/office/drawing/2014/main" xmlns="" id="{49138168-9E91-45A7-AF51-86DE156B0A5B}"/>
                     </a:ext>
                   </a:extLst>
                 </p14:cNvPr>
@@ -11544,7 +11543,7 @@
               </p14:xfrm>
             </p:contentPart>
           </mc:Choice>
-          <mc:Fallback>
+          <mc:Fallback xmlns="">
             <p:pic>
               <p:nvPicPr>
                 <p:cNvPr id="24" name="Freihand 23">
@@ -11575,14 +11574,14 @@
             </p:pic>
           </mc:Fallback>
         </mc:AlternateContent>
-        <mc:AlternateContent xmlns:mc="http://schemas.openxmlformats.org/markup-compatibility/2006">
-          <mc:Choice xmlns:p14="http://schemas.microsoft.com/office/powerpoint/2010/main" Requires="p14">
+        <mc:AlternateContent xmlns:mc="http://schemas.openxmlformats.org/markup-compatibility/2006" xmlns:p14="http://schemas.microsoft.com/office/powerpoint/2010/main">
+          <mc:Choice Requires="p14">
             <p:contentPart p14:bwMode="auto" r:id="rId28">
               <p14:nvContentPartPr>
                 <p14:cNvPr id="25" name="Freihand 24">
                   <a:extLst>
                     <a:ext uri="{FF2B5EF4-FFF2-40B4-BE49-F238E27FC236}">
-                      <a16:creationId xmlns:a16="http://schemas.microsoft.com/office/drawing/2014/main" id="{AE2A354E-4D5B-43CB-90DC-406F63AE1BBA}"/>
+                      <a16:creationId xmlns:a16="http://schemas.microsoft.com/office/drawing/2014/main" xmlns="" id="{AE2A354E-4D5B-43CB-90DC-406F63AE1BBA}"/>
                     </a:ext>
                   </a:extLst>
                 </p14:cNvPr>
@@ -11595,7 +11594,7 @@
               </p14:xfrm>
             </p:contentPart>
           </mc:Choice>
-          <mc:Fallback>
+          <mc:Fallback xmlns="">
             <p:pic>
               <p:nvPicPr>
                 <p:cNvPr id="25" name="Freihand 24">
@@ -11626,14 +11625,14 @@
             </p:pic>
           </mc:Fallback>
         </mc:AlternateContent>
-        <mc:AlternateContent xmlns:mc="http://schemas.openxmlformats.org/markup-compatibility/2006">
-          <mc:Choice xmlns:p14="http://schemas.microsoft.com/office/powerpoint/2010/main" Requires="p14">
+        <mc:AlternateContent xmlns:mc="http://schemas.openxmlformats.org/markup-compatibility/2006" xmlns:p14="http://schemas.microsoft.com/office/powerpoint/2010/main">
+          <mc:Choice Requires="p14">
             <p:contentPart p14:bwMode="auto" r:id="rId30">
               <p14:nvContentPartPr>
                 <p14:cNvPr id="26" name="Freihand 25">
                   <a:extLst>
                     <a:ext uri="{FF2B5EF4-FFF2-40B4-BE49-F238E27FC236}">
-                      <a16:creationId xmlns:a16="http://schemas.microsoft.com/office/drawing/2014/main" id="{BCEF1E0E-BDE0-4520-853B-9A11199AD22E}"/>
+                      <a16:creationId xmlns:a16="http://schemas.microsoft.com/office/drawing/2014/main" xmlns="" id="{BCEF1E0E-BDE0-4520-853B-9A11199AD22E}"/>
                     </a:ext>
                   </a:extLst>
                 </p14:cNvPr>
@@ -11646,7 +11645,7 @@
               </p14:xfrm>
             </p:contentPart>
           </mc:Choice>
-          <mc:Fallback>
+          <mc:Fallback xmlns="">
             <p:pic>
               <p:nvPicPr>
                 <p:cNvPr id="26" name="Freihand 25">
@@ -11677,14 +11676,14 @@
             </p:pic>
           </mc:Fallback>
         </mc:AlternateContent>
-        <mc:AlternateContent xmlns:mc="http://schemas.openxmlformats.org/markup-compatibility/2006">
-          <mc:Choice xmlns:p14="http://schemas.microsoft.com/office/powerpoint/2010/main" Requires="p14">
+        <mc:AlternateContent xmlns:mc="http://schemas.openxmlformats.org/markup-compatibility/2006" xmlns:p14="http://schemas.microsoft.com/office/powerpoint/2010/main">
+          <mc:Choice Requires="p14">
             <p:contentPart p14:bwMode="auto" r:id="rId32">
               <p14:nvContentPartPr>
                 <p14:cNvPr id="27" name="Freihand 26">
                   <a:extLst>
                     <a:ext uri="{FF2B5EF4-FFF2-40B4-BE49-F238E27FC236}">
-                      <a16:creationId xmlns:a16="http://schemas.microsoft.com/office/drawing/2014/main" id="{5EA5F954-C383-4D2F-9592-D27A601889CF}"/>
+                      <a16:creationId xmlns:a16="http://schemas.microsoft.com/office/drawing/2014/main" xmlns="" id="{5EA5F954-C383-4D2F-9592-D27A601889CF}"/>
                     </a:ext>
                   </a:extLst>
                 </p14:cNvPr>
@@ -11697,7 +11696,7 @@
               </p14:xfrm>
             </p:contentPart>
           </mc:Choice>
-          <mc:Fallback>
+          <mc:Fallback xmlns="">
             <p:pic>
               <p:nvPicPr>
                 <p:cNvPr id="27" name="Freihand 26">
@@ -11728,14 +11727,14 @@
             </p:pic>
           </mc:Fallback>
         </mc:AlternateContent>
-        <mc:AlternateContent xmlns:mc="http://schemas.openxmlformats.org/markup-compatibility/2006">
-          <mc:Choice xmlns:p14="http://schemas.microsoft.com/office/powerpoint/2010/main" Requires="p14">
+        <mc:AlternateContent xmlns:mc="http://schemas.openxmlformats.org/markup-compatibility/2006" xmlns:p14="http://schemas.microsoft.com/office/powerpoint/2010/main">
+          <mc:Choice Requires="p14">
             <p:contentPart p14:bwMode="auto" r:id="rId34">
               <p14:nvContentPartPr>
                 <p14:cNvPr id="28" name="Freihand 27">
                   <a:extLst>
                     <a:ext uri="{FF2B5EF4-FFF2-40B4-BE49-F238E27FC236}">
-                      <a16:creationId xmlns:a16="http://schemas.microsoft.com/office/drawing/2014/main" id="{039F50A7-250C-450C-A2B6-4709C7033D98}"/>
+                      <a16:creationId xmlns:a16="http://schemas.microsoft.com/office/drawing/2014/main" xmlns="" id="{039F50A7-250C-450C-A2B6-4709C7033D98}"/>
                     </a:ext>
                   </a:extLst>
                 </p14:cNvPr>
@@ -11748,7 +11747,7 @@
               </p14:xfrm>
             </p:contentPart>
           </mc:Choice>
-          <mc:Fallback>
+          <mc:Fallback xmlns="">
             <p:pic>
               <p:nvPicPr>
                 <p:cNvPr id="28" name="Freihand 27">
@@ -11779,14 +11778,14 @@
             </p:pic>
           </mc:Fallback>
         </mc:AlternateContent>
-        <mc:AlternateContent xmlns:mc="http://schemas.openxmlformats.org/markup-compatibility/2006">
-          <mc:Choice xmlns:p14="http://schemas.microsoft.com/office/powerpoint/2010/main" Requires="p14">
+        <mc:AlternateContent xmlns:mc="http://schemas.openxmlformats.org/markup-compatibility/2006" xmlns:p14="http://schemas.microsoft.com/office/powerpoint/2010/main">
+          <mc:Choice Requires="p14">
             <p:contentPart p14:bwMode="auto" r:id="rId36">
               <p14:nvContentPartPr>
                 <p14:cNvPr id="29" name="Freihand 28">
                   <a:extLst>
                     <a:ext uri="{FF2B5EF4-FFF2-40B4-BE49-F238E27FC236}">
-                      <a16:creationId xmlns:a16="http://schemas.microsoft.com/office/drawing/2014/main" id="{B0B496BB-D83F-4175-855A-59D5AE230E65}"/>
+                      <a16:creationId xmlns:a16="http://schemas.microsoft.com/office/drawing/2014/main" xmlns="" id="{B0B496BB-D83F-4175-855A-59D5AE230E65}"/>
                     </a:ext>
                   </a:extLst>
                 </p14:cNvPr>
@@ -11799,7 +11798,7 @@
               </p14:xfrm>
             </p:contentPart>
           </mc:Choice>
-          <mc:Fallback>
+          <mc:Fallback xmlns="">
             <p:pic>
               <p:nvPicPr>
                 <p:cNvPr id="29" name="Freihand 28">
@@ -11830,14 +11829,14 @@
             </p:pic>
           </mc:Fallback>
         </mc:AlternateContent>
-        <mc:AlternateContent xmlns:mc="http://schemas.openxmlformats.org/markup-compatibility/2006">
-          <mc:Choice xmlns:p14="http://schemas.microsoft.com/office/powerpoint/2010/main" Requires="p14">
+        <mc:AlternateContent xmlns:mc="http://schemas.openxmlformats.org/markup-compatibility/2006" xmlns:p14="http://schemas.microsoft.com/office/powerpoint/2010/main">
+          <mc:Choice Requires="p14">
             <p:contentPart p14:bwMode="auto" r:id="rId38">
               <p14:nvContentPartPr>
                 <p14:cNvPr id="30" name="Freihand 29">
                   <a:extLst>
                     <a:ext uri="{FF2B5EF4-FFF2-40B4-BE49-F238E27FC236}">
-                      <a16:creationId xmlns:a16="http://schemas.microsoft.com/office/drawing/2014/main" id="{26DC02C9-0C4F-4BCD-A4E3-B021EFC00AFA}"/>
+                      <a16:creationId xmlns:a16="http://schemas.microsoft.com/office/drawing/2014/main" xmlns="" id="{26DC02C9-0C4F-4BCD-A4E3-B021EFC00AFA}"/>
                     </a:ext>
                   </a:extLst>
                 </p14:cNvPr>
@@ -11850,7 +11849,7 @@
               </p14:xfrm>
             </p:contentPart>
           </mc:Choice>
-          <mc:Fallback>
+          <mc:Fallback xmlns="">
             <p:pic>
               <p:nvPicPr>
                 <p:cNvPr id="30" name="Freihand 29">
@@ -11881,14 +11880,14 @@
             </p:pic>
           </mc:Fallback>
         </mc:AlternateContent>
-        <mc:AlternateContent xmlns:mc="http://schemas.openxmlformats.org/markup-compatibility/2006">
-          <mc:Choice xmlns:p14="http://schemas.microsoft.com/office/powerpoint/2010/main" Requires="p14">
+        <mc:AlternateContent xmlns:mc="http://schemas.openxmlformats.org/markup-compatibility/2006" xmlns:p14="http://schemas.microsoft.com/office/powerpoint/2010/main">
+          <mc:Choice Requires="p14">
             <p:contentPart p14:bwMode="auto" r:id="rId40">
               <p14:nvContentPartPr>
                 <p14:cNvPr id="31" name="Freihand 30">
                   <a:extLst>
                     <a:ext uri="{FF2B5EF4-FFF2-40B4-BE49-F238E27FC236}">
-                      <a16:creationId xmlns:a16="http://schemas.microsoft.com/office/drawing/2014/main" id="{2E794E80-B32E-405D-B578-B718D19A46B2}"/>
+                      <a16:creationId xmlns:a16="http://schemas.microsoft.com/office/drawing/2014/main" xmlns="" id="{2E794E80-B32E-405D-B578-B718D19A46B2}"/>
                     </a:ext>
                   </a:extLst>
                 </p14:cNvPr>
@@ -11901,7 +11900,7 @@
               </p14:xfrm>
             </p:contentPart>
           </mc:Choice>
-          <mc:Fallback>
+          <mc:Fallback xmlns="">
             <p:pic>
               <p:nvPicPr>
                 <p:cNvPr id="31" name="Freihand 30">
@@ -11932,14 +11931,14 @@
             </p:pic>
           </mc:Fallback>
         </mc:AlternateContent>
-        <mc:AlternateContent xmlns:mc="http://schemas.openxmlformats.org/markup-compatibility/2006">
-          <mc:Choice xmlns:p14="http://schemas.microsoft.com/office/powerpoint/2010/main" Requires="p14">
+        <mc:AlternateContent xmlns:mc="http://schemas.openxmlformats.org/markup-compatibility/2006" xmlns:p14="http://schemas.microsoft.com/office/powerpoint/2010/main">
+          <mc:Choice Requires="p14">
             <p:contentPart p14:bwMode="auto" r:id="rId42">
               <p14:nvContentPartPr>
                 <p14:cNvPr id="32" name="Freihand 31">
                   <a:extLst>
                     <a:ext uri="{FF2B5EF4-FFF2-40B4-BE49-F238E27FC236}">
-                      <a16:creationId xmlns:a16="http://schemas.microsoft.com/office/drawing/2014/main" id="{F9B9FE6F-31B6-438C-B87D-8854B4860223}"/>
+                      <a16:creationId xmlns:a16="http://schemas.microsoft.com/office/drawing/2014/main" xmlns="" id="{F9B9FE6F-31B6-438C-B87D-8854B4860223}"/>
                     </a:ext>
                   </a:extLst>
                 </p14:cNvPr>
@@ -11952,7 +11951,7 @@
               </p14:xfrm>
             </p:contentPart>
           </mc:Choice>
-          <mc:Fallback>
+          <mc:Fallback xmlns="">
             <p:pic>
               <p:nvPicPr>
                 <p:cNvPr id="32" name="Freihand 31">
@@ -11983,14 +11982,14 @@
             </p:pic>
           </mc:Fallback>
         </mc:AlternateContent>
-        <mc:AlternateContent xmlns:mc="http://schemas.openxmlformats.org/markup-compatibility/2006">
-          <mc:Choice xmlns:p14="http://schemas.microsoft.com/office/powerpoint/2010/main" Requires="p14">
+        <mc:AlternateContent xmlns:mc="http://schemas.openxmlformats.org/markup-compatibility/2006" xmlns:p14="http://schemas.microsoft.com/office/powerpoint/2010/main">
+          <mc:Choice Requires="p14">
             <p:contentPart p14:bwMode="auto" r:id="rId44">
               <p14:nvContentPartPr>
                 <p14:cNvPr id="33" name="Freihand 32">
                   <a:extLst>
                     <a:ext uri="{FF2B5EF4-FFF2-40B4-BE49-F238E27FC236}">
-                      <a16:creationId xmlns:a16="http://schemas.microsoft.com/office/drawing/2014/main" id="{683FE812-F0F1-4D1B-9AB3-FD15DD66F059}"/>
+                      <a16:creationId xmlns:a16="http://schemas.microsoft.com/office/drawing/2014/main" xmlns="" id="{683FE812-F0F1-4D1B-9AB3-FD15DD66F059}"/>
                     </a:ext>
                   </a:extLst>
                 </p14:cNvPr>
@@ -12003,7 +12002,7 @@
               </p14:xfrm>
             </p:contentPart>
           </mc:Choice>
-          <mc:Fallback>
+          <mc:Fallback xmlns="">
             <p:pic>
               <p:nvPicPr>
                 <p:cNvPr id="33" name="Freihand 32">
@@ -12034,14 +12033,14 @@
             </p:pic>
           </mc:Fallback>
         </mc:AlternateContent>
-        <mc:AlternateContent xmlns:mc="http://schemas.openxmlformats.org/markup-compatibility/2006">
-          <mc:Choice xmlns:p14="http://schemas.microsoft.com/office/powerpoint/2010/main" Requires="p14">
+        <mc:AlternateContent xmlns:mc="http://schemas.openxmlformats.org/markup-compatibility/2006" xmlns:p14="http://schemas.microsoft.com/office/powerpoint/2010/main">
+          <mc:Choice Requires="p14">
             <p:contentPart p14:bwMode="auto" r:id="rId45">
               <p14:nvContentPartPr>
                 <p14:cNvPr id="34" name="Freihand 33">
                   <a:extLst>
                     <a:ext uri="{FF2B5EF4-FFF2-40B4-BE49-F238E27FC236}">
-                      <a16:creationId xmlns:a16="http://schemas.microsoft.com/office/drawing/2014/main" id="{EE9E7016-508E-434D-AEED-06680BEB9712}"/>
+                      <a16:creationId xmlns:a16="http://schemas.microsoft.com/office/drawing/2014/main" xmlns="" id="{EE9E7016-508E-434D-AEED-06680BEB9712}"/>
                     </a:ext>
                   </a:extLst>
                 </p14:cNvPr>
@@ -12054,7 +12053,7 @@
               </p14:xfrm>
             </p:contentPart>
           </mc:Choice>
-          <mc:Fallback>
+          <mc:Fallback xmlns="">
             <p:pic>
               <p:nvPicPr>
                 <p:cNvPr id="34" name="Freihand 33">
@@ -12085,14 +12084,14 @@
             </p:pic>
           </mc:Fallback>
         </mc:AlternateContent>
-        <mc:AlternateContent xmlns:mc="http://schemas.openxmlformats.org/markup-compatibility/2006">
-          <mc:Choice xmlns:p14="http://schemas.microsoft.com/office/powerpoint/2010/main" Requires="p14">
+        <mc:AlternateContent xmlns:mc="http://schemas.openxmlformats.org/markup-compatibility/2006" xmlns:p14="http://schemas.microsoft.com/office/powerpoint/2010/main">
+          <mc:Choice Requires="p14">
             <p:contentPart p14:bwMode="auto" r:id="rId46">
               <p14:nvContentPartPr>
                 <p14:cNvPr id="35" name="Freihand 34">
                   <a:extLst>
                     <a:ext uri="{FF2B5EF4-FFF2-40B4-BE49-F238E27FC236}">
-                      <a16:creationId xmlns:a16="http://schemas.microsoft.com/office/drawing/2014/main" id="{7F544B62-E793-44C5-98BD-1D60B1140B98}"/>
+                      <a16:creationId xmlns:a16="http://schemas.microsoft.com/office/drawing/2014/main" xmlns="" id="{7F544B62-E793-44C5-98BD-1D60B1140B98}"/>
                     </a:ext>
                   </a:extLst>
                 </p14:cNvPr>
@@ -12105,7 +12104,7 @@
               </p14:xfrm>
             </p:contentPart>
           </mc:Choice>
-          <mc:Fallback>
+          <mc:Fallback xmlns="">
             <p:pic>
               <p:nvPicPr>
                 <p:cNvPr id="35" name="Freihand 34">
@@ -12136,14 +12135,14 @@
             </p:pic>
           </mc:Fallback>
         </mc:AlternateContent>
-        <mc:AlternateContent xmlns:mc="http://schemas.openxmlformats.org/markup-compatibility/2006">
-          <mc:Choice xmlns:p14="http://schemas.microsoft.com/office/powerpoint/2010/main" Requires="p14">
+        <mc:AlternateContent xmlns:mc="http://schemas.openxmlformats.org/markup-compatibility/2006" xmlns:p14="http://schemas.microsoft.com/office/powerpoint/2010/main">
+          <mc:Choice Requires="p14">
             <p:contentPart p14:bwMode="auto" r:id="rId47">
               <p14:nvContentPartPr>
                 <p14:cNvPr id="36" name="Freihand 35">
                   <a:extLst>
                     <a:ext uri="{FF2B5EF4-FFF2-40B4-BE49-F238E27FC236}">
-                      <a16:creationId xmlns:a16="http://schemas.microsoft.com/office/drawing/2014/main" id="{2579702B-D010-4BCB-AD6A-4DE79B23714E}"/>
+                      <a16:creationId xmlns:a16="http://schemas.microsoft.com/office/drawing/2014/main" xmlns="" id="{2579702B-D010-4BCB-AD6A-4DE79B23714E}"/>
                     </a:ext>
                   </a:extLst>
                 </p14:cNvPr>
@@ -12156,7 +12155,7 @@
               </p14:xfrm>
             </p:contentPart>
           </mc:Choice>
-          <mc:Fallback>
+          <mc:Fallback xmlns="">
             <p:pic>
               <p:nvPicPr>
                 <p:cNvPr id="36" name="Freihand 35">
@@ -12187,14 +12186,14 @@
             </p:pic>
           </mc:Fallback>
         </mc:AlternateContent>
-        <mc:AlternateContent xmlns:mc="http://schemas.openxmlformats.org/markup-compatibility/2006">
-          <mc:Choice xmlns:p14="http://schemas.microsoft.com/office/powerpoint/2010/main" Requires="p14">
+        <mc:AlternateContent xmlns:mc="http://schemas.openxmlformats.org/markup-compatibility/2006" xmlns:p14="http://schemas.microsoft.com/office/powerpoint/2010/main">
+          <mc:Choice Requires="p14">
             <p:contentPart p14:bwMode="auto" r:id="rId49">
               <p14:nvContentPartPr>
                 <p14:cNvPr id="37" name="Freihand 36">
                   <a:extLst>
                     <a:ext uri="{FF2B5EF4-FFF2-40B4-BE49-F238E27FC236}">
-                      <a16:creationId xmlns:a16="http://schemas.microsoft.com/office/drawing/2014/main" id="{197B9BD9-197B-42CF-8F20-10FD97EE20D3}"/>
+                      <a16:creationId xmlns:a16="http://schemas.microsoft.com/office/drawing/2014/main" xmlns="" id="{197B9BD9-197B-42CF-8F20-10FD97EE20D3}"/>
                     </a:ext>
                   </a:extLst>
                 </p14:cNvPr>
@@ -12207,7 +12206,7 @@
               </p14:xfrm>
             </p:contentPart>
           </mc:Choice>
-          <mc:Fallback>
+          <mc:Fallback xmlns="">
             <p:pic>
               <p:nvPicPr>
                 <p:cNvPr id="37" name="Freihand 36">
@@ -12238,14 +12237,14 @@
             </p:pic>
           </mc:Fallback>
         </mc:AlternateContent>
-        <mc:AlternateContent xmlns:mc="http://schemas.openxmlformats.org/markup-compatibility/2006">
-          <mc:Choice xmlns:p14="http://schemas.microsoft.com/office/powerpoint/2010/main" Requires="p14">
+        <mc:AlternateContent xmlns:mc="http://schemas.openxmlformats.org/markup-compatibility/2006" xmlns:p14="http://schemas.microsoft.com/office/powerpoint/2010/main">
+          <mc:Choice Requires="p14">
             <p:contentPart p14:bwMode="auto" r:id="rId51">
               <p14:nvContentPartPr>
                 <p14:cNvPr id="38" name="Freihand 37">
                   <a:extLst>
                     <a:ext uri="{FF2B5EF4-FFF2-40B4-BE49-F238E27FC236}">
-                      <a16:creationId xmlns:a16="http://schemas.microsoft.com/office/drawing/2014/main" id="{31BC0FA5-DF79-47CC-807F-18DF876051E8}"/>
+                      <a16:creationId xmlns:a16="http://schemas.microsoft.com/office/drawing/2014/main" xmlns="" id="{31BC0FA5-DF79-47CC-807F-18DF876051E8}"/>
                     </a:ext>
                   </a:extLst>
                 </p14:cNvPr>
@@ -12258,7 +12257,7 @@
               </p14:xfrm>
             </p:contentPart>
           </mc:Choice>
-          <mc:Fallback>
+          <mc:Fallback xmlns="">
             <p:pic>
               <p:nvPicPr>
                 <p:cNvPr id="38" name="Freihand 37">
@@ -12295,7 +12294,7 @@
           <p:cNvPr id="53" name="Gruppieren 52">
             <a:extLst>
               <a:ext uri="{FF2B5EF4-FFF2-40B4-BE49-F238E27FC236}">
-                <a16:creationId xmlns:a16="http://schemas.microsoft.com/office/drawing/2014/main" id="{9E88B44F-B27E-4A4B-8290-5318BF6E4C6A}"/>
+                <a16:creationId xmlns:a16="http://schemas.microsoft.com/office/drawing/2014/main" xmlns="" id="{9E88B44F-B27E-4A4B-8290-5318BF6E4C6A}"/>
               </a:ext>
             </a:extLst>
           </p:cNvPr>
@@ -12317,7 +12316,7 @@
             <p:cNvPr id="45" name="Graphic 13">
               <a:extLst>
                 <a:ext uri="{FF2B5EF4-FFF2-40B4-BE49-F238E27FC236}">
-                  <a16:creationId xmlns:a16="http://schemas.microsoft.com/office/drawing/2014/main" id="{10C7439F-10E1-4656-894D-206A21C64B99}"/>
+                  <a16:creationId xmlns:a16="http://schemas.microsoft.com/office/drawing/2014/main" xmlns="" id="{10C7439F-10E1-4656-894D-206A21C64B99}"/>
                 </a:ext>
               </a:extLst>
             </p:cNvPr>
@@ -12330,7 +12329,7 @@
             <a:blip r:embed="rId52">
               <a:extLst>
                 <a:ext uri="{96DAC541-7B7A-43D3-8B79-37D633B846F1}">
-                  <asvg:svgBlip xmlns:asvg="http://schemas.microsoft.com/office/drawing/2016/SVG/main" r:embed="rId53"/>
+                  <asvg:svgBlip xmlns:asvg="http://schemas.microsoft.com/office/drawing/2016/SVG/main" xmlns="" r:embed="rId53"/>
                 </a:ext>
               </a:extLst>
             </a:blip>
@@ -12353,7 +12352,7 @@
             <p:cNvPr id="46" name="Grafik 4" descr="Ein Bild, das Tisch, Zeichnung enthält.&#10;&#10;Mit sehr hoher Zuverlässigkeit generierte Beschreibung">
               <a:extLst>
                 <a:ext uri="{FF2B5EF4-FFF2-40B4-BE49-F238E27FC236}">
-                  <a16:creationId xmlns:a16="http://schemas.microsoft.com/office/drawing/2014/main" id="{768B1D96-7FE4-44F7-9018-C447E9E39B74}"/>
+                  <a16:creationId xmlns:a16="http://schemas.microsoft.com/office/drawing/2014/main" xmlns="" id="{768B1D96-7FE4-44F7-9018-C447E9E39B74}"/>
                 </a:ext>
               </a:extLst>
             </p:cNvPr>
@@ -12383,7 +12382,7 @@
             <p:cNvPr id="47" name="Grafik 9" descr="Lampe">
               <a:extLst>
                 <a:ext uri="{FF2B5EF4-FFF2-40B4-BE49-F238E27FC236}">
-                  <a16:creationId xmlns:a16="http://schemas.microsoft.com/office/drawing/2014/main" id="{9E2FE6BB-7A11-439E-A5B2-11A8B013A745}"/>
+                  <a16:creationId xmlns:a16="http://schemas.microsoft.com/office/drawing/2014/main" xmlns="" id="{9E2FE6BB-7A11-439E-A5B2-11A8B013A745}"/>
                 </a:ext>
               </a:extLst>
             </p:cNvPr>
@@ -12396,7 +12395,7 @@
             <a:blip r:embed="rId54">
               <a:extLst>
                 <a:ext uri="{96DAC541-7B7A-43D3-8B79-37D633B846F1}">
-                  <asvg:svgBlip xmlns:asvg="http://schemas.microsoft.com/office/drawing/2016/SVG/main" r:embed="rId55"/>
+                  <asvg:svgBlip xmlns:asvg="http://schemas.microsoft.com/office/drawing/2016/SVG/main" xmlns="" r:embed="rId55"/>
                 </a:ext>
               </a:extLst>
             </a:blip>
@@ -12419,7 +12418,7 @@
             <p:cNvPr id="48" name="Grafik 47" descr="Lichter an">
               <a:extLst>
                 <a:ext uri="{FF2B5EF4-FFF2-40B4-BE49-F238E27FC236}">
-                  <a16:creationId xmlns:a16="http://schemas.microsoft.com/office/drawing/2014/main" id="{BE463326-D43A-423C-AD43-8EFD437D7359}"/>
+                  <a16:creationId xmlns:a16="http://schemas.microsoft.com/office/drawing/2014/main" xmlns="" id="{BE463326-D43A-423C-AD43-8EFD437D7359}"/>
                 </a:ext>
               </a:extLst>
             </p:cNvPr>
@@ -12432,7 +12431,7 @@
             <a:blip r:embed="rId56">
               <a:extLst>
                 <a:ext uri="{96DAC541-7B7A-43D3-8B79-37D633B846F1}">
-                  <asvg:svgBlip xmlns:asvg="http://schemas.microsoft.com/office/drawing/2016/SVG/main" r:embed="rId57"/>
+                  <asvg:svgBlip xmlns:asvg="http://schemas.microsoft.com/office/drawing/2016/SVG/main" xmlns="" r:embed="rId57"/>
                 </a:ext>
               </a:extLst>
             </a:blip>
@@ -12455,7 +12454,7 @@
             <p:cNvPr id="49" name="Gruppieren 48">
               <a:extLst>
                 <a:ext uri="{FF2B5EF4-FFF2-40B4-BE49-F238E27FC236}">
-                  <a16:creationId xmlns:a16="http://schemas.microsoft.com/office/drawing/2014/main" id="{7F0BB635-90DF-4F4E-9D1C-5B8EADF049C9}"/>
+                  <a16:creationId xmlns:a16="http://schemas.microsoft.com/office/drawing/2014/main" xmlns="" id="{7F0BB635-90DF-4F4E-9D1C-5B8EADF049C9}"/>
                 </a:ext>
               </a:extLst>
             </p:cNvPr>
@@ -12481,7 +12480,7 @@
               <p:cNvPr id="50" name="Rechteck 49">
                 <a:extLst>
                   <a:ext uri="{FF2B5EF4-FFF2-40B4-BE49-F238E27FC236}">
-                    <a16:creationId xmlns:a16="http://schemas.microsoft.com/office/drawing/2014/main" id="{3520BB1F-DB04-49BC-A4B4-1F62640380B5}"/>
+                    <a16:creationId xmlns:a16="http://schemas.microsoft.com/office/drawing/2014/main" xmlns="" id="{3520BB1F-DB04-49BC-A4B4-1F62640380B5}"/>
                   </a:ext>
                 </a:extLst>
               </p:cNvPr>
@@ -12537,7 +12536,7 @@
               <p:cNvPr id="51" name="Grafik 50" descr="Prozessor">
                 <a:extLst>
                   <a:ext uri="{FF2B5EF4-FFF2-40B4-BE49-F238E27FC236}">
-                    <a16:creationId xmlns:a16="http://schemas.microsoft.com/office/drawing/2014/main" id="{9D313DDD-8557-4FCE-B41C-E345615A4E29}"/>
+                    <a16:creationId xmlns:a16="http://schemas.microsoft.com/office/drawing/2014/main" xmlns="" id="{9D313DDD-8557-4FCE-B41C-E345615A4E29}"/>
                   </a:ext>
                 </a:extLst>
               </p:cNvPr>
@@ -12550,7 +12549,7 @@
               <a:blip r:embed="rId17">
                 <a:extLst>
                   <a:ext uri="{96DAC541-7B7A-43D3-8B79-37D633B846F1}">
-                    <asvg:svgBlip xmlns:asvg="http://schemas.microsoft.com/office/drawing/2016/SVG/main" r:embed="rId18"/>
+                    <asvg:svgBlip xmlns:asvg="http://schemas.microsoft.com/office/drawing/2016/SVG/main" xmlns="" r:embed="rId18"/>
                   </a:ext>
                 </a:extLst>
               </a:blip>
@@ -12574,7 +12573,7 @@
             <p:cNvPr id="52" name="Grafik 51" descr="Drahtlos">
               <a:extLst>
                 <a:ext uri="{FF2B5EF4-FFF2-40B4-BE49-F238E27FC236}">
-                  <a16:creationId xmlns:a16="http://schemas.microsoft.com/office/drawing/2014/main" id="{A5C4ADA9-E3FE-4716-90D5-9BB593692EA6}"/>
+                  <a16:creationId xmlns:a16="http://schemas.microsoft.com/office/drawing/2014/main" xmlns="" id="{A5C4ADA9-E3FE-4716-90D5-9BB593692EA6}"/>
                 </a:ext>
               </a:extLst>
             </p:cNvPr>
@@ -12587,7 +12586,7 @@
             <a:blip r:embed="rId58">
               <a:extLst>
                 <a:ext uri="{96DAC541-7B7A-43D3-8B79-37D633B846F1}">
-                  <asvg:svgBlip xmlns:asvg="http://schemas.microsoft.com/office/drawing/2016/SVG/main" r:embed="rId59"/>
+                  <asvg:svgBlip xmlns:asvg="http://schemas.microsoft.com/office/drawing/2016/SVG/main" xmlns="" r:embed="rId59"/>
                 </a:ext>
               </a:extLst>
             </a:blip>
@@ -12611,7 +12610,7 @@
           <p:cNvPr id="96" name="Gruppieren 95">
             <a:extLst>
               <a:ext uri="{FF2B5EF4-FFF2-40B4-BE49-F238E27FC236}">
-                <a16:creationId xmlns:a16="http://schemas.microsoft.com/office/drawing/2014/main" id="{6DB1DBEC-00F4-4ED6-A710-D5DE5C67C0B1}"/>
+                <a16:creationId xmlns:a16="http://schemas.microsoft.com/office/drawing/2014/main" xmlns="" id="{6DB1DBEC-00F4-4ED6-A710-D5DE5C67C0B1}"/>
               </a:ext>
             </a:extLst>
           </p:cNvPr>
@@ -12633,7 +12632,7 @@
             <p:cNvPr id="54" name="Grafik 53">
               <a:extLst>
                 <a:ext uri="{FF2B5EF4-FFF2-40B4-BE49-F238E27FC236}">
-                  <a16:creationId xmlns:a16="http://schemas.microsoft.com/office/drawing/2014/main" id="{57F19BBC-74AB-443C-A2EF-B5FB8D1C1408}"/>
+                  <a16:creationId xmlns:a16="http://schemas.microsoft.com/office/drawing/2014/main" xmlns="" id="{57F19BBC-74AB-443C-A2EF-B5FB8D1C1408}"/>
                 </a:ext>
               </a:extLst>
             </p:cNvPr>
@@ -12663,7 +12662,7 @@
             <p:cNvPr id="57" name="Graphic 7">
               <a:extLst>
                 <a:ext uri="{FF2B5EF4-FFF2-40B4-BE49-F238E27FC236}">
-                  <a16:creationId xmlns:a16="http://schemas.microsoft.com/office/drawing/2014/main" id="{4F5FC755-F9BF-45DE-AD51-0D53F2DDF594}"/>
+                  <a16:creationId xmlns:a16="http://schemas.microsoft.com/office/drawing/2014/main" xmlns="" id="{4F5FC755-F9BF-45DE-AD51-0D53F2DDF594}"/>
                 </a:ext>
               </a:extLst>
             </p:cNvPr>
@@ -12676,7 +12675,7 @@
             <a:blip r:embed="rId61">
               <a:extLst>
                 <a:ext uri="{96DAC541-7B7A-43D3-8B79-37D633B846F1}">
-                  <asvg:svgBlip xmlns:asvg="http://schemas.microsoft.com/office/drawing/2016/SVG/main" r:embed="rId62"/>
+                  <asvg:svgBlip xmlns:asvg="http://schemas.microsoft.com/office/drawing/2016/SVG/main" xmlns="" r:embed="rId62"/>
                 </a:ext>
               </a:extLst>
             </a:blip>
@@ -12699,7 +12698,7 @@
             <p:cNvPr id="58" name="Rounded Rectangular Callout 6">
               <a:extLst>
                 <a:ext uri="{FF2B5EF4-FFF2-40B4-BE49-F238E27FC236}">
-                  <a16:creationId xmlns:a16="http://schemas.microsoft.com/office/drawing/2014/main" id="{8EE77AFF-D415-4ED4-BB37-458B707D1A6D}"/>
+                  <a16:creationId xmlns:a16="http://schemas.microsoft.com/office/drawing/2014/main" xmlns="" id="{8EE77AFF-D415-4ED4-BB37-458B707D1A6D}"/>
                 </a:ext>
               </a:extLst>
             </p:cNvPr>
@@ -12765,7 +12764,7 @@
             <p:cNvPr id="59" name="Rounded Rectangular Callout 19">
               <a:extLst>
                 <a:ext uri="{FF2B5EF4-FFF2-40B4-BE49-F238E27FC236}">
-                  <a16:creationId xmlns:a16="http://schemas.microsoft.com/office/drawing/2014/main" id="{67157ABC-DF99-4098-BE6C-1CEBF9FCB312}"/>
+                  <a16:creationId xmlns:a16="http://schemas.microsoft.com/office/drawing/2014/main" xmlns="" id="{67157ABC-DF99-4098-BE6C-1CEBF9FCB312}"/>
                 </a:ext>
               </a:extLst>
             </p:cNvPr>
@@ -12824,7 +12823,7 @@
             <p:cNvPr id="60" name="Rounded Rectangular Callout 6">
               <a:extLst>
                 <a:ext uri="{FF2B5EF4-FFF2-40B4-BE49-F238E27FC236}">
-                  <a16:creationId xmlns:a16="http://schemas.microsoft.com/office/drawing/2014/main" id="{9EB7240C-D268-48A6-BD13-A4C0EDBE2900}"/>
+                  <a16:creationId xmlns:a16="http://schemas.microsoft.com/office/drawing/2014/main" xmlns="" id="{9EB7240C-D268-48A6-BD13-A4C0EDBE2900}"/>
                 </a:ext>
               </a:extLst>
             </p:cNvPr>
@@ -12890,7 +12889,7 @@
             <p:cNvPr id="61" name="Gruppieren 60">
               <a:extLst>
                 <a:ext uri="{FF2B5EF4-FFF2-40B4-BE49-F238E27FC236}">
-                  <a16:creationId xmlns:a16="http://schemas.microsoft.com/office/drawing/2014/main" id="{C6FF7842-A24C-4ACC-9944-75D97EA78017}"/>
+                  <a16:creationId xmlns:a16="http://schemas.microsoft.com/office/drawing/2014/main" xmlns="" id="{C6FF7842-A24C-4ACC-9944-75D97EA78017}"/>
                 </a:ext>
               </a:extLst>
             </p:cNvPr>
@@ -12912,7 +12911,7 @@
               <p:cNvPr id="62" name="Rechteck 61">
                 <a:extLst>
                   <a:ext uri="{FF2B5EF4-FFF2-40B4-BE49-F238E27FC236}">
-                    <a16:creationId xmlns:a16="http://schemas.microsoft.com/office/drawing/2014/main" id="{246CC967-7142-4843-B1A6-E4F51671525A}"/>
+                    <a16:creationId xmlns:a16="http://schemas.microsoft.com/office/drawing/2014/main" xmlns="" id="{246CC967-7142-4843-B1A6-E4F51671525A}"/>
                   </a:ext>
                 </a:extLst>
               </p:cNvPr>
@@ -12968,7 +12967,7 @@
               <p:cNvPr id="63" name="Grafik 62" descr="Prozessor">
                 <a:extLst>
                   <a:ext uri="{FF2B5EF4-FFF2-40B4-BE49-F238E27FC236}">
-                    <a16:creationId xmlns:a16="http://schemas.microsoft.com/office/drawing/2014/main" id="{99AA1A2B-93BE-4B82-A22F-3F13DEF32DB3}"/>
+                    <a16:creationId xmlns:a16="http://schemas.microsoft.com/office/drawing/2014/main" xmlns="" id="{99AA1A2B-93BE-4B82-A22F-3F13DEF32DB3}"/>
                   </a:ext>
                 </a:extLst>
               </p:cNvPr>
@@ -12981,7 +12980,7 @@
               <a:blip r:embed="rId17">
                 <a:extLst>
                   <a:ext uri="{96DAC541-7B7A-43D3-8B79-37D633B846F1}">
-                    <asvg:svgBlip xmlns:asvg="http://schemas.microsoft.com/office/drawing/2016/SVG/main" r:embed="rId18"/>
+                    <asvg:svgBlip xmlns:asvg="http://schemas.microsoft.com/office/drawing/2016/SVG/main" xmlns="" r:embed="rId18"/>
                   </a:ext>
                 </a:extLst>
               </a:blip>
@@ -13005,7 +13004,7 @@
             <p:cNvPr id="64" name="Gruppieren 63">
               <a:extLst>
                 <a:ext uri="{FF2B5EF4-FFF2-40B4-BE49-F238E27FC236}">
-                  <a16:creationId xmlns:a16="http://schemas.microsoft.com/office/drawing/2014/main" id="{705CC995-3EB5-425F-AB74-D0C0AEE41E26}"/>
+                  <a16:creationId xmlns:a16="http://schemas.microsoft.com/office/drawing/2014/main" xmlns="" id="{705CC995-3EB5-425F-AB74-D0C0AEE41E26}"/>
                 </a:ext>
               </a:extLst>
             </p:cNvPr>
@@ -13027,7 +13026,7 @@
               <p:cNvPr id="65" name="Grafik 64">
                 <a:extLst>
                   <a:ext uri="{FF2B5EF4-FFF2-40B4-BE49-F238E27FC236}">
-                    <a16:creationId xmlns:a16="http://schemas.microsoft.com/office/drawing/2014/main" id="{274547D4-FE77-4734-9495-4B13A5304614}"/>
+                    <a16:creationId xmlns:a16="http://schemas.microsoft.com/office/drawing/2014/main" xmlns="" id="{274547D4-FE77-4734-9495-4B13A5304614}"/>
                   </a:ext>
                 </a:extLst>
               </p:cNvPr>
@@ -13057,7 +13056,7 @@
               <p:cNvPr id="66" name="Rounded Rectangular Callout 6">
                 <a:extLst>
                   <a:ext uri="{FF2B5EF4-FFF2-40B4-BE49-F238E27FC236}">
-                    <a16:creationId xmlns:a16="http://schemas.microsoft.com/office/drawing/2014/main" id="{C8E773CD-8EBC-45B3-9EA3-A2B1C1618574}"/>
+                    <a16:creationId xmlns:a16="http://schemas.microsoft.com/office/drawing/2014/main" xmlns="" id="{C8E773CD-8EBC-45B3-9EA3-A2B1C1618574}"/>
                   </a:ext>
                 </a:extLst>
               </p:cNvPr>
@@ -13123,7 +13122,7 @@
               <p:cNvPr id="67" name="Rounded Rectangular Callout 19">
                 <a:extLst>
                   <a:ext uri="{FF2B5EF4-FFF2-40B4-BE49-F238E27FC236}">
-                    <a16:creationId xmlns:a16="http://schemas.microsoft.com/office/drawing/2014/main" id="{689EF56D-8C0B-4FC5-862C-997DAB519043}"/>
+                    <a16:creationId xmlns:a16="http://schemas.microsoft.com/office/drawing/2014/main" xmlns="" id="{689EF56D-8C0B-4FC5-862C-997DAB519043}"/>
                   </a:ext>
                 </a:extLst>
               </p:cNvPr>
@@ -13182,7 +13181,7 @@
               <p:cNvPr id="68" name="Rounded Rectangular Callout 6">
                 <a:extLst>
                   <a:ext uri="{FF2B5EF4-FFF2-40B4-BE49-F238E27FC236}">
-                    <a16:creationId xmlns:a16="http://schemas.microsoft.com/office/drawing/2014/main" id="{7B4313F3-2F15-4947-A126-EFD42DE3C22F}"/>
+                    <a16:creationId xmlns:a16="http://schemas.microsoft.com/office/drawing/2014/main" xmlns="" id="{7B4313F3-2F15-4947-A126-EFD42DE3C22F}"/>
                   </a:ext>
                 </a:extLst>
               </p:cNvPr>
@@ -13280,7 +13279,7 @@
               <p:cNvPr id="69" name="Gruppieren 68">
                 <a:extLst>
                   <a:ext uri="{FF2B5EF4-FFF2-40B4-BE49-F238E27FC236}">
-                    <a16:creationId xmlns:a16="http://schemas.microsoft.com/office/drawing/2014/main" id="{49ED5ADD-B300-43A1-AD06-617C53C0EFC4}"/>
+                    <a16:creationId xmlns:a16="http://schemas.microsoft.com/office/drawing/2014/main" xmlns="" id="{49ED5ADD-B300-43A1-AD06-617C53C0EFC4}"/>
                   </a:ext>
                 </a:extLst>
               </p:cNvPr>
@@ -13300,7 +13299,7 @@
                 <p:cNvPr id="73" name="Graphic 3">
                   <a:extLst>
                     <a:ext uri="{FF2B5EF4-FFF2-40B4-BE49-F238E27FC236}">
-                      <a16:creationId xmlns:a16="http://schemas.microsoft.com/office/drawing/2014/main" id="{92D74C08-8891-4318-80F1-A62CDFB4564F}"/>
+                      <a16:creationId xmlns:a16="http://schemas.microsoft.com/office/drawing/2014/main" xmlns="" id="{92D74C08-8891-4318-80F1-A62CDFB4564F}"/>
                     </a:ext>
                   </a:extLst>
                 </p:cNvPr>
@@ -13313,7 +13312,7 @@
                 <a:blip r:embed="rId19">
                   <a:extLst>
                     <a:ext uri="{96DAC541-7B7A-43D3-8B79-37D633B846F1}">
-                      <asvg:svgBlip xmlns:asvg="http://schemas.microsoft.com/office/drawing/2016/SVG/main" r:embed="rId20"/>
+                      <asvg:svgBlip xmlns:asvg="http://schemas.microsoft.com/office/drawing/2016/SVG/main" xmlns="" r:embed="rId20"/>
                     </a:ext>
                   </a:extLst>
                 </a:blip>
@@ -13336,7 +13335,7 @@
                 <p:cNvPr id="74" name="Gruppieren 73">
                   <a:extLst>
                     <a:ext uri="{FF2B5EF4-FFF2-40B4-BE49-F238E27FC236}">
-                      <a16:creationId xmlns:a16="http://schemas.microsoft.com/office/drawing/2014/main" id="{D994AF69-F8C7-4FCA-BDD1-E976466F47E1}"/>
+                      <a16:creationId xmlns:a16="http://schemas.microsoft.com/office/drawing/2014/main" xmlns="" id="{D994AF69-F8C7-4FCA-BDD1-E976466F47E1}"/>
                     </a:ext>
                   </a:extLst>
                 </p:cNvPr>
@@ -13356,7 +13355,7 @@
                   <p:cNvPr id="75" name="Rechteck 74">
                     <a:extLst>
                       <a:ext uri="{FF2B5EF4-FFF2-40B4-BE49-F238E27FC236}">
-                        <a16:creationId xmlns:a16="http://schemas.microsoft.com/office/drawing/2014/main" id="{39BC0734-7470-44B6-AC54-927E299FF33A}"/>
+                        <a16:creationId xmlns:a16="http://schemas.microsoft.com/office/drawing/2014/main" xmlns="" id="{39BC0734-7470-44B6-AC54-927E299FF33A}"/>
                       </a:ext>
                     </a:extLst>
                   </p:cNvPr>
@@ -13412,7 +13411,7 @@
                   <p:cNvPr id="76" name="Grafik 75" descr="Prozessor">
                     <a:extLst>
                       <a:ext uri="{FF2B5EF4-FFF2-40B4-BE49-F238E27FC236}">
-                        <a16:creationId xmlns:a16="http://schemas.microsoft.com/office/drawing/2014/main" id="{E00D39AF-B4B2-4298-926E-700C3AEB8138}"/>
+                        <a16:creationId xmlns:a16="http://schemas.microsoft.com/office/drawing/2014/main" xmlns="" id="{E00D39AF-B4B2-4298-926E-700C3AEB8138}"/>
                       </a:ext>
                     </a:extLst>
                   </p:cNvPr>
@@ -13425,7 +13424,7 @@
                   <a:blip r:embed="rId17">
                     <a:extLst>
                       <a:ext uri="{96DAC541-7B7A-43D3-8B79-37D633B846F1}">
-                        <asvg:svgBlip xmlns:asvg="http://schemas.microsoft.com/office/drawing/2016/SVG/main" r:embed="rId18"/>
+                        <asvg:svgBlip xmlns:asvg="http://schemas.microsoft.com/office/drawing/2016/SVG/main" xmlns="" r:embed="rId18"/>
                       </a:ext>
                     </a:extLst>
                   </a:blip>
@@ -13450,7 +13449,7 @@
               <p:cNvPr id="70" name="Gruppieren 69">
                 <a:extLst>
                   <a:ext uri="{FF2B5EF4-FFF2-40B4-BE49-F238E27FC236}">
-                    <a16:creationId xmlns:a16="http://schemas.microsoft.com/office/drawing/2014/main" id="{E88B3DBE-23DA-47E8-BDA2-31E413B164AF}"/>
+                    <a16:creationId xmlns:a16="http://schemas.microsoft.com/office/drawing/2014/main" xmlns="" id="{E88B3DBE-23DA-47E8-BDA2-31E413B164AF}"/>
                   </a:ext>
                 </a:extLst>
               </p:cNvPr>
@@ -13472,7 +13471,7 @@
                 <p:cNvPr id="71" name="Rechteck 70">
                   <a:extLst>
                     <a:ext uri="{FF2B5EF4-FFF2-40B4-BE49-F238E27FC236}">
-                      <a16:creationId xmlns:a16="http://schemas.microsoft.com/office/drawing/2014/main" id="{B9C0465F-52CB-4167-B3CC-E1A68C02F30A}"/>
+                      <a16:creationId xmlns:a16="http://schemas.microsoft.com/office/drawing/2014/main" xmlns="" id="{B9C0465F-52CB-4167-B3CC-E1A68C02F30A}"/>
                     </a:ext>
                   </a:extLst>
                 </p:cNvPr>
@@ -13528,7 +13527,7 @@
                 <p:cNvPr id="72" name="Grafik 71" descr="Prozessor">
                   <a:extLst>
                     <a:ext uri="{FF2B5EF4-FFF2-40B4-BE49-F238E27FC236}">
-                      <a16:creationId xmlns:a16="http://schemas.microsoft.com/office/drawing/2014/main" id="{DB572480-1C8A-49FA-9610-8880184FFDAB}"/>
+                      <a16:creationId xmlns:a16="http://schemas.microsoft.com/office/drawing/2014/main" xmlns="" id="{DB572480-1C8A-49FA-9610-8880184FFDAB}"/>
                     </a:ext>
                   </a:extLst>
                 </p:cNvPr>
@@ -13541,7 +13540,7 @@
                 <a:blip r:embed="rId17">
                   <a:extLst>
                     <a:ext uri="{96DAC541-7B7A-43D3-8B79-37D633B846F1}">
-                      <asvg:svgBlip xmlns:asvg="http://schemas.microsoft.com/office/drawing/2016/SVG/main" r:embed="rId18"/>
+                      <asvg:svgBlip xmlns:asvg="http://schemas.microsoft.com/office/drawing/2016/SVG/main" xmlns="" r:embed="rId18"/>
                     </a:ext>
                   </a:extLst>
                 </a:blip>
@@ -13566,7 +13565,7 @@
             <p:cNvPr id="77" name="Graphic 10">
               <a:extLst>
                 <a:ext uri="{FF2B5EF4-FFF2-40B4-BE49-F238E27FC236}">
-                  <a16:creationId xmlns:a16="http://schemas.microsoft.com/office/drawing/2014/main" id="{00E28D40-7235-462D-9CC7-34EBA1EC4CE3}"/>
+                  <a16:creationId xmlns:a16="http://schemas.microsoft.com/office/drawing/2014/main" xmlns="" id="{00E28D40-7235-462D-9CC7-34EBA1EC4CE3}"/>
                 </a:ext>
               </a:extLst>
             </p:cNvPr>
@@ -13579,7 +13578,7 @@
             <a:blip r:embed="rId63">
               <a:extLst>
                 <a:ext uri="{96DAC541-7B7A-43D3-8B79-37D633B846F1}">
-                  <asvg:svgBlip xmlns:asvg="http://schemas.microsoft.com/office/drawing/2016/SVG/main" r:embed="rId64"/>
+                  <asvg:svgBlip xmlns:asvg="http://schemas.microsoft.com/office/drawing/2016/SVG/main" xmlns="" r:embed="rId64"/>
                 </a:ext>
               </a:extLst>
             </a:blip>
@@ -13602,7 +13601,7 @@
             <p:cNvPr id="78" name="Gerade Verbindung mit Pfeil 77">
               <a:extLst>
                 <a:ext uri="{FF2B5EF4-FFF2-40B4-BE49-F238E27FC236}">
-                  <a16:creationId xmlns:a16="http://schemas.microsoft.com/office/drawing/2014/main" id="{B106DCF2-3EC7-4C3A-A0A5-93BEAFE386E9}"/>
+                  <a16:creationId xmlns:a16="http://schemas.microsoft.com/office/drawing/2014/main" xmlns="" id="{B106DCF2-3EC7-4C3A-A0A5-93BEAFE386E9}"/>
                 </a:ext>
               </a:extLst>
             </p:cNvPr>
@@ -13643,7 +13642,7 @@
             <p:cNvPr id="79" name="Zylinder 78">
               <a:extLst>
                 <a:ext uri="{FF2B5EF4-FFF2-40B4-BE49-F238E27FC236}">
-                  <a16:creationId xmlns:a16="http://schemas.microsoft.com/office/drawing/2014/main" id="{2EBA1CDB-4CF7-4452-8B0B-425E602956C7}"/>
+                  <a16:creationId xmlns:a16="http://schemas.microsoft.com/office/drawing/2014/main" xmlns="" id="{2EBA1CDB-4CF7-4452-8B0B-425E602956C7}"/>
                 </a:ext>
               </a:extLst>
             </p:cNvPr>
@@ -13699,7 +13698,7 @@
             <p:cNvPr id="80" name="Grafik 79">
               <a:extLst>
                 <a:ext uri="{FF2B5EF4-FFF2-40B4-BE49-F238E27FC236}">
-                  <a16:creationId xmlns:a16="http://schemas.microsoft.com/office/drawing/2014/main" id="{6183BBE0-F226-489C-9DD6-B38759B902DB}"/>
+                  <a16:creationId xmlns:a16="http://schemas.microsoft.com/office/drawing/2014/main" xmlns="" id="{6183BBE0-F226-489C-9DD6-B38759B902DB}"/>
                 </a:ext>
               </a:extLst>
             </p:cNvPr>
@@ -13729,7 +13728,7 @@
             <p:cNvPr id="81" name="Grafik 80">
               <a:extLst>
                 <a:ext uri="{FF2B5EF4-FFF2-40B4-BE49-F238E27FC236}">
-                  <a16:creationId xmlns:a16="http://schemas.microsoft.com/office/drawing/2014/main" id="{559E6209-801E-4798-8D1D-998900ECA615}"/>
+                  <a16:creationId xmlns:a16="http://schemas.microsoft.com/office/drawing/2014/main" xmlns="" id="{559E6209-801E-4798-8D1D-998900ECA615}"/>
                 </a:ext>
               </a:extLst>
             </p:cNvPr>
@@ -13759,7 +13758,7 @@
             <p:cNvPr id="82" name="Grafik 81">
               <a:extLst>
                 <a:ext uri="{FF2B5EF4-FFF2-40B4-BE49-F238E27FC236}">
-                  <a16:creationId xmlns:a16="http://schemas.microsoft.com/office/drawing/2014/main" id="{1E27BC36-8D46-47F0-847D-8B08D781E2F6}"/>
+                  <a16:creationId xmlns:a16="http://schemas.microsoft.com/office/drawing/2014/main" xmlns="" id="{1E27BC36-8D46-47F0-847D-8B08D781E2F6}"/>
                 </a:ext>
               </a:extLst>
             </p:cNvPr>
@@ -13789,7 +13788,7 @@
             <p:cNvPr id="83" name="Grafik 82">
               <a:extLst>
                 <a:ext uri="{FF2B5EF4-FFF2-40B4-BE49-F238E27FC236}">
-                  <a16:creationId xmlns:a16="http://schemas.microsoft.com/office/drawing/2014/main" id="{00DC0C2E-87E4-4DE5-9C0F-7F1233C2D4D4}"/>
+                  <a16:creationId xmlns:a16="http://schemas.microsoft.com/office/drawing/2014/main" xmlns="" id="{00DC0C2E-87E4-4DE5-9C0F-7F1233C2D4D4}"/>
                 </a:ext>
               </a:extLst>
             </p:cNvPr>
@@ -13819,7 +13818,7 @@
             <p:cNvPr id="84" name="Grafik 83">
               <a:extLst>
                 <a:ext uri="{FF2B5EF4-FFF2-40B4-BE49-F238E27FC236}">
-                  <a16:creationId xmlns:a16="http://schemas.microsoft.com/office/drawing/2014/main" id="{D9959FEA-89D7-4B10-B2AC-EEEFAA03CE67}"/>
+                  <a16:creationId xmlns:a16="http://schemas.microsoft.com/office/drawing/2014/main" xmlns="" id="{D9959FEA-89D7-4B10-B2AC-EEEFAA03CE67}"/>
                 </a:ext>
               </a:extLst>
             </p:cNvPr>
@@ -13849,7 +13848,7 @@
             <p:cNvPr id="85" name="Grafik 84">
               <a:extLst>
                 <a:ext uri="{FF2B5EF4-FFF2-40B4-BE49-F238E27FC236}">
-                  <a16:creationId xmlns:a16="http://schemas.microsoft.com/office/drawing/2014/main" id="{6482EED9-7983-4662-9E7F-DC72FB7A41DD}"/>
+                  <a16:creationId xmlns:a16="http://schemas.microsoft.com/office/drawing/2014/main" xmlns="" id="{6482EED9-7983-4662-9E7F-DC72FB7A41DD}"/>
                 </a:ext>
               </a:extLst>
             </p:cNvPr>
@@ -13879,7 +13878,7 @@
             <p:cNvPr id="86" name="Grafik 85">
               <a:extLst>
                 <a:ext uri="{FF2B5EF4-FFF2-40B4-BE49-F238E27FC236}">
-                  <a16:creationId xmlns:a16="http://schemas.microsoft.com/office/drawing/2014/main" id="{2A67BB56-B351-406F-AF63-27880F4D21D0}"/>
+                  <a16:creationId xmlns:a16="http://schemas.microsoft.com/office/drawing/2014/main" xmlns="" id="{2A67BB56-B351-406F-AF63-27880F4D21D0}"/>
                 </a:ext>
               </a:extLst>
             </p:cNvPr>
@@ -13909,7 +13908,7 @@
             <p:cNvPr id="87" name="Grafik 86">
               <a:extLst>
                 <a:ext uri="{FF2B5EF4-FFF2-40B4-BE49-F238E27FC236}">
-                  <a16:creationId xmlns:a16="http://schemas.microsoft.com/office/drawing/2014/main" id="{6E3D6920-EF26-414F-9DDB-35B295B46481}"/>
+                  <a16:creationId xmlns:a16="http://schemas.microsoft.com/office/drawing/2014/main" xmlns="" id="{6E3D6920-EF26-414F-9DDB-35B295B46481}"/>
                 </a:ext>
               </a:extLst>
             </p:cNvPr>
@@ -13939,7 +13938,7 @@
             <p:cNvPr id="88" name="Grafik 87">
               <a:extLst>
                 <a:ext uri="{FF2B5EF4-FFF2-40B4-BE49-F238E27FC236}">
-                  <a16:creationId xmlns:a16="http://schemas.microsoft.com/office/drawing/2014/main" id="{20CED3C7-0B21-4049-BA00-840D567356C5}"/>
+                  <a16:creationId xmlns:a16="http://schemas.microsoft.com/office/drawing/2014/main" xmlns="" id="{20CED3C7-0B21-4049-BA00-840D567356C5}"/>
                 </a:ext>
               </a:extLst>
             </p:cNvPr>
@@ -13969,7 +13968,7 @@
             <p:cNvPr id="89" name="Grafik 88">
               <a:extLst>
                 <a:ext uri="{FF2B5EF4-FFF2-40B4-BE49-F238E27FC236}">
-                  <a16:creationId xmlns:a16="http://schemas.microsoft.com/office/drawing/2014/main" id="{55A32AB8-78AB-4939-8DAC-EDF50DF4E978}"/>
+                  <a16:creationId xmlns:a16="http://schemas.microsoft.com/office/drawing/2014/main" xmlns="" id="{55A32AB8-78AB-4939-8DAC-EDF50DF4E978}"/>
                 </a:ext>
               </a:extLst>
             </p:cNvPr>
@@ -13999,7 +13998,7 @@
             <p:cNvPr id="90" name="Grafik 89">
               <a:extLst>
                 <a:ext uri="{FF2B5EF4-FFF2-40B4-BE49-F238E27FC236}">
-                  <a16:creationId xmlns:a16="http://schemas.microsoft.com/office/drawing/2014/main" id="{20AF7532-DD69-4729-BDD2-B4C3F3B30B54}"/>
+                  <a16:creationId xmlns:a16="http://schemas.microsoft.com/office/drawing/2014/main" xmlns="" id="{20AF7532-DD69-4729-BDD2-B4C3F3B30B54}"/>
                 </a:ext>
               </a:extLst>
             </p:cNvPr>
@@ -14029,7 +14028,7 @@
             <p:cNvPr id="91" name="Grafik 90">
               <a:extLst>
                 <a:ext uri="{FF2B5EF4-FFF2-40B4-BE49-F238E27FC236}">
-                  <a16:creationId xmlns:a16="http://schemas.microsoft.com/office/drawing/2014/main" id="{1923136A-8D69-4405-B107-3C271AC4F43A}"/>
+                  <a16:creationId xmlns:a16="http://schemas.microsoft.com/office/drawing/2014/main" xmlns="" id="{1923136A-8D69-4405-B107-3C271AC4F43A}"/>
                 </a:ext>
               </a:extLst>
             </p:cNvPr>
@@ -14059,7 +14058,7 @@
             <p:cNvPr id="92" name="Grafik 91">
               <a:extLst>
                 <a:ext uri="{FF2B5EF4-FFF2-40B4-BE49-F238E27FC236}">
-                  <a16:creationId xmlns:a16="http://schemas.microsoft.com/office/drawing/2014/main" id="{CBAA18F7-1A69-4C4F-BAC6-A7B369CEF106}"/>
+                  <a16:creationId xmlns:a16="http://schemas.microsoft.com/office/drawing/2014/main" xmlns="" id="{CBAA18F7-1A69-4C4F-BAC6-A7B369CEF106}"/>
                 </a:ext>
               </a:extLst>
             </p:cNvPr>
@@ -14089,7 +14088,7 @@
             <p:cNvPr id="93" name="Grafik 92">
               <a:extLst>
                 <a:ext uri="{FF2B5EF4-FFF2-40B4-BE49-F238E27FC236}">
-                  <a16:creationId xmlns:a16="http://schemas.microsoft.com/office/drawing/2014/main" id="{0F0CAC0F-02EA-4252-B8CC-BBD56C28D10A}"/>
+                  <a16:creationId xmlns:a16="http://schemas.microsoft.com/office/drawing/2014/main" xmlns="" id="{0F0CAC0F-02EA-4252-B8CC-BBD56C28D10A}"/>
                 </a:ext>
               </a:extLst>
             </p:cNvPr>
@@ -14119,7 +14118,7 @@
             <p:cNvPr id="94" name="Grafik 93">
               <a:extLst>
                 <a:ext uri="{FF2B5EF4-FFF2-40B4-BE49-F238E27FC236}">
-                  <a16:creationId xmlns:a16="http://schemas.microsoft.com/office/drawing/2014/main" id="{0E3D95AA-6E88-4CD2-8D0B-4B2AC8E3D3F3}"/>
+                  <a16:creationId xmlns:a16="http://schemas.microsoft.com/office/drawing/2014/main" xmlns="" id="{0E3D95AA-6E88-4CD2-8D0B-4B2AC8E3D3F3}"/>
                 </a:ext>
               </a:extLst>
             </p:cNvPr>
@@ -14149,7 +14148,7 @@
             <p:cNvPr id="95" name="Grafik 94">
               <a:extLst>
                 <a:ext uri="{FF2B5EF4-FFF2-40B4-BE49-F238E27FC236}">
-                  <a16:creationId xmlns:a16="http://schemas.microsoft.com/office/drawing/2014/main" id="{28AC8C2F-E023-4016-9262-D139ECF54EDD}"/>
+                  <a16:creationId xmlns:a16="http://schemas.microsoft.com/office/drawing/2014/main" xmlns="" id="{28AC8C2F-E023-4016-9262-D139ECF54EDD}"/>
                 </a:ext>
               </a:extLst>
             </p:cNvPr>
@@ -14180,7 +14179,7 @@
           <p:cNvPr id="97" name="Gerader Verbinder 96">
             <a:extLst>
               <a:ext uri="{FF2B5EF4-FFF2-40B4-BE49-F238E27FC236}">
-                <a16:creationId xmlns:a16="http://schemas.microsoft.com/office/drawing/2014/main" id="{5DDD4ECD-E124-45E7-A882-7BB4015313A6}"/>
+                <a16:creationId xmlns:a16="http://schemas.microsoft.com/office/drawing/2014/main" xmlns="" id="{5DDD4ECD-E124-45E7-A882-7BB4015313A6}"/>
               </a:ext>
             </a:extLst>
           </p:cNvPr>
@@ -14216,70 +14215,6 @@
     <p:extLst>
       <p:ext uri="{BB962C8B-B14F-4D97-AF65-F5344CB8AC3E}">
         <p14:creationId xmlns:p14="http://schemas.microsoft.com/office/powerpoint/2010/main" val="2230796913"/>
-      </p:ext>
-    </p:extLst>
-  </p:cSld>
-  <p:clrMapOvr>
-    <a:masterClrMapping/>
-  </p:clrMapOvr>
-</p:sld>
-</file>
-
-<file path=ppt/slides/slide4.xml><?xml version="1.0" encoding="utf-8"?>
-<p:sld xmlns:a="http://schemas.openxmlformats.org/drawingml/2006/main" xmlns:r="http://schemas.openxmlformats.org/officeDocument/2006/relationships" xmlns:p="http://schemas.openxmlformats.org/presentationml/2006/main">
-  <p:cSld>
-    <p:spTree>
-      <p:nvGrpSpPr>
-        <p:cNvPr id="1" name=""/>
-        <p:cNvGrpSpPr/>
-        <p:nvPr/>
-      </p:nvGrpSpPr>
-      <p:grpSpPr>
-        <a:xfrm>
-          <a:off x="0" y="0"/>
-          <a:ext cx="0" cy="0"/>
-          <a:chOff x="0" y="0"/>
-          <a:chExt cx="0" cy="0"/>
-        </a:xfrm>
-      </p:grpSpPr>
-      <p:sp>
-        <p:nvSpPr>
-          <p:cNvPr id="2" name="Titel 1">
-            <a:extLst>
-              <a:ext uri="{FF2B5EF4-FFF2-40B4-BE49-F238E27FC236}">
-                <a16:creationId xmlns:a16="http://schemas.microsoft.com/office/drawing/2014/main" id="{0358F702-252A-4698-9F4A-3A2A77746174}"/>
-              </a:ext>
-            </a:extLst>
-          </p:cNvPr>
-          <p:cNvSpPr>
-            <a:spLocks noGrp="1"/>
-          </p:cNvSpPr>
-          <p:nvPr>
-            <p:ph type="title"/>
-          </p:nvPr>
-        </p:nvSpPr>
-        <p:spPr>
-          <a:xfrm>
-            <a:off x="4602093" y="2682934"/>
-            <a:ext cx="2987813" cy="1492132"/>
-          </a:xfrm>
-        </p:spPr>
-        <p:txBody>
-          <a:bodyPr/>
-          <a:lstStyle/>
-          <a:p>
-            <a:r>
-              <a:rPr lang="de-DE" err="1"/>
-              <a:t>Livedemo</a:t>
-            </a:r>
-            <a:endParaRPr lang="de-DE"/>
-          </a:p>
-        </p:txBody>
-      </p:sp>
-    </p:spTree>
-    <p:extLst>
-      <p:ext uri="{BB962C8B-B14F-4D97-AF65-F5344CB8AC3E}">
-        <p14:creationId xmlns:p14="http://schemas.microsoft.com/office/powerpoint/2010/main" val="818005221"/>
       </p:ext>
     </p:extLst>
   </p:cSld>
@@ -14543,28 +14478,13 @@
   <a:extraClrSchemeLst/>
   <a:extLst>
     <a:ext uri="{05A4C25C-085E-4340-85A3-A5531E510DB2}">
-      <thm15:themeFamily xmlns:thm15="http://schemas.microsoft.com/office/thememl/2012/main" name="Badge" id="{71A07785-5930-41D4-9A83-E23602B48E98}" vid="{771EA782-DFA6-45B1-AEA3-661F1715B310}"/>
+      <thm15:themeFamily xmlns:thm15="http://schemas.microsoft.com/office/thememl/2012/main" xmlns="" name="Badge" id="{71A07785-5930-41D4-9A83-E23602B48E98}" vid="{771EA782-DFA6-45B1-AEA3-661F1715B310}"/>
     </a:ext>
   </a:extLst>
 </a:theme>
 </file>
 
 <file path=customXml/item1.xml><?xml version="1.0" encoding="utf-8"?>
-<?mso-contentType ?>
-<FormTemplates xmlns="http://schemas.microsoft.com/sharepoint/v3/contenttype/forms">
-  <Display>DocumentLibraryForm</Display>
-  <Edit>DocumentLibraryForm</Edit>
-  <New>DocumentLibraryForm</New>
-</FormTemplates>
-</file>
-
-<file path=customXml/item2.xml><?xml version="1.0" encoding="utf-8"?>
-<p:properties xmlns:p="http://schemas.microsoft.com/office/2006/metadata/properties" xmlns:xsi="http://www.w3.org/2001/XMLSchema-instance" xmlns:pc="http://schemas.microsoft.com/office/infopath/2007/PartnerControls">
-  <documentManagement/>
-</p:properties>
-</file>
-
-<file path=customXml/item3.xml><?xml version="1.0" encoding="utf-8"?>
 <ct:contentTypeSchema xmlns:ct="http://schemas.microsoft.com/office/2006/metadata/contentType" xmlns:ma="http://schemas.microsoft.com/office/2006/metadata/properties/metaAttributes" ct:_="" ma:_="" ma:contentTypeName="Dokument" ma:contentTypeID="0x0101007DBC6F551ECA874684B4456E91051EBB" ma:contentTypeVersion="6" ma:contentTypeDescription="Ein neues Dokument erstellen." ma:contentTypeScope="" ma:versionID="c133da43b8a35af77db038c4fe5fa8b5">
   <xsd:schema xmlns:xsd="http://www.w3.org/2001/XMLSchema" xmlns:xs="http://www.w3.org/2001/XMLSchema" xmlns:p="http://schemas.microsoft.com/office/2006/metadata/properties" xmlns:ns2="ccbfb2d7-bfc0-4d82-8231-ca3343532b34" targetNamespace="http://schemas.microsoft.com/office/2006/metadata/properties" ma:root="true" ma:fieldsID="dc0471112cbeb9b983ef28bbb02d8db1" ns2:_="">
     <xsd:import namespace="ccbfb2d7-bfc0-4d82-8231-ca3343532b34"/>
@@ -14722,10 +14642,35 @@
 </ct:contentTypeSchema>
 </file>
 
+<file path=customXml/item2.xml><?xml version="1.0" encoding="utf-8"?>
+<p:properties xmlns:p="http://schemas.microsoft.com/office/2006/metadata/properties" xmlns:xsi="http://www.w3.org/2001/XMLSchema-instance" xmlns:pc="http://schemas.microsoft.com/office/infopath/2007/PartnerControls">
+  <documentManagement/>
+</p:properties>
+</file>
+
+<file path=customXml/item3.xml><?xml version="1.0" encoding="utf-8"?>
+<?mso-contentType ?>
+<FormTemplates xmlns="http://schemas.microsoft.com/sharepoint/v3/contenttype/forms">
+  <Display>DocumentLibraryForm</Display>
+  <Edit>DocumentLibraryForm</Edit>
+  <New>DocumentLibraryForm</New>
+</FormTemplates>
+</file>
+
 <file path=customXml/itemProps1.xml><?xml version="1.0" encoding="utf-8"?>
-<ds:datastoreItem xmlns:ds="http://schemas.openxmlformats.org/officeDocument/2006/customXml" ds:itemID="{75F610D5-3CF3-4969-AAF4-9C6BFB4C54AC}">
+<ds:datastoreItem xmlns:ds="http://schemas.openxmlformats.org/officeDocument/2006/customXml" ds:itemID="{01A2FD8C-47EF-4853-9611-C45BAFD90473}">
   <ds:schemaRefs>
-    <ds:schemaRef ds:uri="http://schemas.microsoft.com/sharepoint/v3/contenttype/forms"/>
+    <ds:schemaRef ds:uri="ccbfb2d7-bfc0-4d82-8231-ca3343532b34"/>
+    <ds:schemaRef ds:uri="http://purl.org/dc/elements/1.1/"/>
+    <ds:schemaRef ds:uri="http://purl.org/dc/terms/"/>
+    <ds:schemaRef ds:uri="http://schemas.microsoft.com/internal/obd"/>
+    <ds:schemaRef ds:uri="http://schemas.microsoft.com/office/2006/documentManagement/types"/>
+    <ds:schemaRef ds:uri="http://schemas.microsoft.com/office/2006/metadata/contentType"/>
+    <ds:schemaRef ds:uri="http://schemas.microsoft.com/office/2006/metadata/properties"/>
+    <ds:schemaRef ds:uri="http://schemas.microsoft.com/office/2006/metadata/properties/metaAttributes"/>
+    <ds:schemaRef ds:uri="http://schemas.microsoft.com/office/infopath/2007/PartnerControls"/>
+    <ds:schemaRef ds:uri="http://schemas.openxmlformats.org/package/2006/metadata/core-properties"/>
+    <ds:schemaRef ds:uri="http://www.w3.org/2001/XMLSchema"/>
   </ds:schemaRefs>
 </ds:datastoreItem>
 </file>
@@ -14747,19 +14692,9 @@
 </file>
 
 <file path=customXml/itemProps3.xml><?xml version="1.0" encoding="utf-8"?>
-<ds:datastoreItem xmlns:ds="http://schemas.openxmlformats.org/officeDocument/2006/customXml" ds:itemID="{01A2FD8C-47EF-4853-9611-C45BAFD90473}">
+<ds:datastoreItem xmlns:ds="http://schemas.openxmlformats.org/officeDocument/2006/customXml" ds:itemID="{75F610D5-3CF3-4969-AAF4-9C6BFB4C54AC}">
   <ds:schemaRefs>
-    <ds:schemaRef ds:uri="ccbfb2d7-bfc0-4d82-8231-ca3343532b34"/>
-    <ds:schemaRef ds:uri="http://purl.org/dc/elements/1.1/"/>
-    <ds:schemaRef ds:uri="http://purl.org/dc/terms/"/>
-    <ds:schemaRef ds:uri="http://schemas.microsoft.com/internal/obd"/>
-    <ds:schemaRef ds:uri="http://schemas.microsoft.com/office/2006/documentManagement/types"/>
-    <ds:schemaRef ds:uri="http://schemas.microsoft.com/office/2006/metadata/contentType"/>
-    <ds:schemaRef ds:uri="http://schemas.microsoft.com/office/2006/metadata/properties"/>
-    <ds:schemaRef ds:uri="http://schemas.microsoft.com/office/2006/metadata/properties/metaAttributes"/>
-    <ds:schemaRef ds:uri="http://schemas.microsoft.com/office/infopath/2007/PartnerControls"/>
-    <ds:schemaRef ds:uri="http://schemas.openxmlformats.org/package/2006/metadata/core-properties"/>
-    <ds:schemaRef ds:uri="http://www.w3.org/2001/XMLSchema"/>
+    <ds:schemaRef ds:uri="http://schemas.microsoft.com/sharepoint/v3/contenttype/forms"/>
   </ds:schemaRefs>
 </ds:datastoreItem>
 </file>